--- a/Week9/Presentations/MCR2_Localisation.pptx
+++ b/Week9/Presentations/MCR2_Localisation.pptx
@@ -5,7 +5,7 @@
     <p:sldMasterId id="2147483648" r:id="rId1"/>
   </p:sldMasterIdLst>
   <p:notesMasterIdLst>
-    <p:notesMasterId r:id="rId25"/>
+    <p:notesMasterId r:id="rId32"/>
   </p:notesMasterIdLst>
   <p:sldIdLst>
     <p:sldId id="256" r:id="rId2"/>
@@ -31,6 +31,13 @@
     <p:sldId id="502" r:id="rId22"/>
     <p:sldId id="503" r:id="rId23"/>
     <p:sldId id="504" r:id="rId24"/>
+    <p:sldId id="505" r:id="rId25"/>
+    <p:sldId id="506" r:id="rId26"/>
+    <p:sldId id="507" r:id="rId27"/>
+    <p:sldId id="508" r:id="rId28"/>
+    <p:sldId id="509" r:id="rId29"/>
+    <p:sldId id="510" r:id="rId30"/>
+    <p:sldId id="511" r:id="rId31"/>
   </p:sldIdLst>
   <p:sldSz cx="12192000" cy="6858000"/>
   <p:notesSz cx="6858000" cy="9144000"/>
@@ -219,7 +226,7 @@
           <a:p>
             <a:fld id="{2BD01585-C3B5-48E9-9338-AAD0C23EB3FF}" type="datetimeFigureOut">
               <a:rPr lang="en-GB" smtClean="0"/>
-              <a:t>02/10/2023</a:t>
+              <a:t>09/10/2023</a:t>
             </a:fld>
             <a:endParaRPr lang="en-GB"/>
           </a:p>
@@ -800,7 +807,7 @@
           <a:p>
             <a:fld id="{28E8D346-A915-4882-A510-80C55F2B0290}" type="datetimeFigureOut">
               <a:rPr lang="en-GB" smtClean="0"/>
-              <a:t>02/10/2023</a:t>
+              <a:t>09/10/2023</a:t>
             </a:fld>
             <a:endParaRPr lang="en-GB"/>
           </a:p>
@@ -3813,7 +3820,7 @@
           <a:p>
             <a:fld id="{28E8D346-A915-4882-A510-80C55F2B0290}" type="datetimeFigureOut">
               <a:rPr lang="en-GB" smtClean="0"/>
-              <a:t>02/10/2023</a:t>
+              <a:t>09/10/2023</a:t>
             </a:fld>
             <a:endParaRPr lang="en-GB"/>
           </a:p>
@@ -4294,7 +4301,7 @@
           <a:p>
             <a:fld id="{28E8D346-A915-4882-A510-80C55F2B0290}" type="datetimeFigureOut">
               <a:rPr lang="en-GB" smtClean="0"/>
-              <a:t>02/10/2023</a:t>
+              <a:t>09/10/2023</a:t>
             </a:fld>
             <a:endParaRPr lang="en-GB"/>
           </a:p>
@@ -4617,7 +4624,7 @@
           <a:p>
             <a:fld id="{28E8D346-A915-4882-A510-80C55F2B0290}" type="datetimeFigureOut">
               <a:rPr lang="en-GB" smtClean="0"/>
-              <a:t>02/10/2023</a:t>
+              <a:t>09/10/2023</a:t>
             </a:fld>
             <a:endParaRPr lang="en-GB"/>
           </a:p>
@@ -5110,7 +5117,7 @@
           <a:p>
             <a:fld id="{28E8D346-A915-4882-A510-80C55F2B0290}" type="datetimeFigureOut">
               <a:rPr lang="en-GB" smtClean="0"/>
-              <a:t>02/10/2023</a:t>
+              <a:t>09/10/2023</a:t>
             </a:fld>
             <a:endParaRPr lang="en-GB"/>
           </a:p>
@@ -5632,7 +5639,7 @@
           <a:p>
             <a:fld id="{28E8D346-A915-4882-A510-80C55F2B0290}" type="datetimeFigureOut">
               <a:rPr lang="en-GB" smtClean="0"/>
-              <a:t>02/10/2023</a:t>
+              <a:t>09/10/2023</a:t>
             </a:fld>
             <a:endParaRPr lang="en-GB"/>
           </a:p>
@@ -6127,7 +6134,7 @@
           <a:p>
             <a:fld id="{28E8D346-A915-4882-A510-80C55F2B0290}" type="datetimeFigureOut">
               <a:rPr lang="en-GB" smtClean="0"/>
-              <a:t>02/10/2023</a:t>
+              <a:t>09/10/2023</a:t>
             </a:fld>
             <a:endParaRPr lang="en-GB"/>
           </a:p>
@@ -6734,7 +6741,7 @@
           <a:p>
             <a:fld id="{28E8D346-A915-4882-A510-80C55F2B0290}" type="datetimeFigureOut">
               <a:rPr lang="en-GB" smtClean="0"/>
-              <a:t>02/10/2023</a:t>
+              <a:t>09/10/2023</a:t>
             </a:fld>
             <a:endParaRPr lang="en-GB"/>
           </a:p>
@@ -7229,7 +7236,7 @@
           <a:p>
             <a:fld id="{28E8D346-A915-4882-A510-80C55F2B0290}" type="datetimeFigureOut">
               <a:rPr lang="en-GB" smtClean="0"/>
-              <a:t>02/10/2023</a:t>
+              <a:t>09/10/2023</a:t>
             </a:fld>
             <a:endParaRPr lang="en-GB"/>
           </a:p>
@@ -7992,7 +7999,7 @@
           <a:p>
             <a:fld id="{28E8D346-A915-4882-A510-80C55F2B0290}" type="datetimeFigureOut">
               <a:rPr lang="en-GB" smtClean="0"/>
-              <a:t>02/10/2023</a:t>
+              <a:t>09/10/2023</a:t>
             </a:fld>
             <a:endParaRPr lang="en-GB"/>
           </a:p>
@@ -8643,7 +8650,7 @@
           <a:p>
             <a:fld id="{28E8D346-A915-4882-A510-80C55F2B0290}" type="datetimeFigureOut">
               <a:rPr lang="en-GB" smtClean="0"/>
-              <a:t>02/10/2023</a:t>
+              <a:t>09/10/2023</a:t>
             </a:fld>
             <a:endParaRPr lang="en-GB"/>
           </a:p>
@@ -9022,7 +9029,7 @@
           <a:p>
             <a:fld id="{28E8D346-A915-4882-A510-80C55F2B0290}" type="datetimeFigureOut">
               <a:rPr lang="en-GB" smtClean="0"/>
-              <a:t>02/10/2023</a:t>
+              <a:t>09/10/2023</a:t>
             </a:fld>
             <a:endParaRPr lang="en-GB"/>
           </a:p>
@@ -9289,7 +9296,7 @@
           <a:p>
             <a:fld id="{28E8D346-A915-4882-A510-80C55F2B0290}" type="datetimeFigureOut">
               <a:rPr lang="en-GB" smtClean="0"/>
-              <a:t>02/10/2023</a:t>
+              <a:t>09/10/2023</a:t>
             </a:fld>
             <a:endParaRPr lang="en-GB"/>
           </a:p>
@@ -9862,7 +9869,7 @@
           <a:p>
             <a:fld id="{28E8D346-A915-4882-A510-80C55F2B0290}" type="datetimeFigureOut">
               <a:rPr lang="en-GB" smtClean="0"/>
-              <a:t>02/10/2023</a:t>
+              <a:t>09/10/2023</a:t>
             </a:fld>
             <a:endParaRPr lang="en-GB"/>
           </a:p>
@@ -10106,7 +10113,7 @@
           <a:p>
             <a:fld id="{28E8D346-A915-4882-A510-80C55F2B0290}" type="datetimeFigureOut">
               <a:rPr lang="en-GB" smtClean="0"/>
-              <a:t>02/10/2023</a:t>
+              <a:t>09/10/2023</a:t>
             </a:fld>
             <a:endParaRPr lang="en-GB"/>
           </a:p>
@@ -10292,7 +10299,7 @@
           <a:p>
             <a:fld id="{28E8D346-A915-4882-A510-80C55F2B0290}" type="datetimeFigureOut">
               <a:rPr lang="en-GB" smtClean="0"/>
-              <a:t>02/10/2023</a:t>
+              <a:t>09/10/2023</a:t>
             </a:fld>
             <a:endParaRPr lang="en-GB"/>
           </a:p>
@@ -10590,7 +10597,7 @@
           <a:p>
             <a:fld id="{28E8D346-A915-4882-A510-80C55F2B0290}" type="datetimeFigureOut">
               <a:rPr lang="en-GB" smtClean="0"/>
-              <a:t>02/10/2023</a:t>
+              <a:t>09/10/2023</a:t>
             </a:fld>
             <a:endParaRPr lang="en-GB"/>
           </a:p>
@@ -11025,7 +11032,7 @@
           <a:p>
             <a:fld id="{28E8D346-A915-4882-A510-80C55F2B0290}" type="datetimeFigureOut">
               <a:rPr lang="en-GB" smtClean="0"/>
-              <a:t>02/10/2023</a:t>
+              <a:t>09/10/2023</a:t>
             </a:fld>
             <a:endParaRPr lang="en-GB"/>
           </a:p>
@@ -11498,7 +11505,7 @@
           <a:p>
             <a:fld id="{28E8D346-A915-4882-A510-80C55F2B0290}" type="datetimeFigureOut">
               <a:rPr lang="en-GB" smtClean="0"/>
-              <a:t>02/10/2023</a:t>
+              <a:t>09/10/2023</a:t>
             </a:fld>
             <a:endParaRPr lang="en-GB"/>
           </a:p>
@@ -11954,7 +11961,7 @@
           <a:p>
             <a:fld id="{28E8D346-A915-4882-A510-80C55F2B0290}" type="datetimeFigureOut">
               <a:rPr lang="en-GB" smtClean="0"/>
-              <a:t>02/10/2023</a:t>
+              <a:t>09/10/2023</a:t>
             </a:fld>
             <a:endParaRPr lang="en-GB"/>
           </a:p>
@@ -12178,7 +12185,7 @@
           <a:p>
             <a:fld id="{28E8D346-A915-4882-A510-80C55F2B0290}" type="datetimeFigureOut">
               <a:rPr lang="en-GB" smtClean="0"/>
-              <a:t>02/10/2023</a:t>
+              <a:t>09/10/2023</a:t>
             </a:fld>
             <a:endParaRPr lang="en-GB"/>
           </a:p>
@@ -12404,7 +12411,7 @@
           <a:p>
             <a:fld id="{28E8D346-A915-4882-A510-80C55F2B0290}" type="datetimeFigureOut">
               <a:rPr lang="en-GB" smtClean="0"/>
-              <a:t>02/10/2023</a:t>
+              <a:t>09/10/2023</a:t>
             </a:fld>
             <a:endParaRPr lang="en-GB"/>
           </a:p>
@@ -12630,7 +12637,7 @@
           <a:p>
             <a:fld id="{28E8D346-A915-4882-A510-80C55F2B0290}" type="datetimeFigureOut">
               <a:rPr lang="en-GB" smtClean="0"/>
-              <a:t>02/10/2023</a:t>
+              <a:t>09/10/2023</a:t>
             </a:fld>
             <a:endParaRPr lang="en-GB"/>
           </a:p>
@@ -12778,7 +12785,7 @@
           <a:p>
             <a:fld id="{28E8D346-A915-4882-A510-80C55F2B0290}" type="datetimeFigureOut">
               <a:rPr lang="en-GB" smtClean="0"/>
-              <a:t>02/10/2023</a:t>
+              <a:t>09/10/2023</a:t>
             </a:fld>
             <a:endParaRPr lang="en-GB"/>
           </a:p>
@@ -13172,7 +13179,7 @@
           <a:p>
             <a:fld id="{28E8D346-A915-4882-A510-80C55F2B0290}" type="datetimeFigureOut">
               <a:rPr lang="en-GB" smtClean="0"/>
-              <a:t>02/10/2023</a:t>
+              <a:t>09/10/2023</a:t>
             </a:fld>
             <a:endParaRPr lang="en-GB"/>
           </a:p>
@@ -13729,7 +13736,7 @@
           <a:p>
             <a:fld id="{28E8D346-A915-4882-A510-80C55F2B0290}" type="datetimeFigureOut">
               <a:rPr lang="en-GB" smtClean="0"/>
-              <a:t>02/10/2023</a:t>
+              <a:t>09/10/2023</a:t>
             </a:fld>
             <a:endParaRPr lang="en-GB"/>
           </a:p>
@@ -14235,7 +14242,7 @@
           <a:p>
             <a:fld id="{28E8D346-A915-4882-A510-80C55F2B0290}" type="datetimeFigureOut">
               <a:rPr lang="en-GB" smtClean="0"/>
-              <a:t>02/10/2023</a:t>
+              <a:t>09/10/2023</a:t>
             </a:fld>
             <a:endParaRPr lang="en-GB"/>
           </a:p>
@@ -14633,7 +14640,7 @@
           <a:p>
             <a:fld id="{28E8D346-A915-4882-A510-80C55F2B0290}" type="datetimeFigureOut">
               <a:rPr lang="en-GB" smtClean="0"/>
-              <a:t>02/10/2023</a:t>
+              <a:t>09/10/2023</a:t>
             </a:fld>
             <a:endParaRPr lang="en-GB"/>
           </a:p>
@@ -15499,7 +15506,7 @@
           <a:p>
             <a:fld id="{9D27316D-C409-4712-90E5-1C58F0743890}" type="datetimeFigureOut">
               <a:rPr lang="en-GB" smtClean="0"/>
-              <a:t>02/10/2023</a:t>
+              <a:t>09/10/2023</a:t>
             </a:fld>
             <a:endParaRPr lang="en-GB"/>
           </a:p>
@@ -20682,6 +20689,2576 @@
 </p:sld>
 </file>
 
+<file path=ppt/slides/slide24.xml><?xml version="1.0" encoding="utf-8"?>
+<p:sld xmlns:a="http://schemas.openxmlformats.org/drawingml/2006/main" xmlns:r="http://schemas.openxmlformats.org/officeDocument/2006/relationships" xmlns:p="http://schemas.openxmlformats.org/presentationml/2006/main">
+  <p:cSld>
+    <p:spTree>
+      <p:nvGrpSpPr>
+        <p:cNvPr id="1" name=""/>
+        <p:cNvGrpSpPr/>
+        <p:nvPr/>
+      </p:nvGrpSpPr>
+      <p:grpSpPr>
+        <a:xfrm>
+          <a:off x="0" y="0"/>
+          <a:ext cx="0" cy="0"/>
+          <a:chOff x="0" y="0"/>
+          <a:chExt cx="0" cy="0"/>
+        </a:xfrm>
+      </p:grpSpPr>
+      <p:sp>
+        <p:nvSpPr>
+          <p:cNvPr id="2" name="Content Placeholder 1">
+            <a:extLst>
+              <a:ext uri="{FF2B5EF4-FFF2-40B4-BE49-F238E27FC236}">
+                <a16:creationId xmlns:a16="http://schemas.microsoft.com/office/drawing/2014/main" id="{410B9D64-7DAD-2122-A1FD-2F1A8A61BE99}"/>
+              </a:ext>
+            </a:extLst>
+          </p:cNvPr>
+          <p:cNvSpPr>
+            <a:spLocks noGrp="1"/>
+          </p:cNvSpPr>
+          <p:nvPr>
+            <p:ph sz="half" idx="1"/>
+          </p:nvPr>
+        </p:nvSpPr>
+        <p:spPr>
+          <a:xfrm>
+            <a:off x="371917" y="1589455"/>
+            <a:ext cx="5181600" cy="5147805"/>
+          </a:xfrm>
+        </p:spPr>
+        <p:txBody>
+          <a:bodyPr>
+            <a:normAutofit fontScale="25000" lnSpcReduction="20000"/>
+          </a:bodyPr>
+          <a:lstStyle/>
+          <a:p>
+            <a:pPr marL="0" indent="0">
+              <a:lnSpc>
+                <a:spcPct val="170000"/>
+              </a:lnSpc>
+              <a:buNone/>
+            </a:pPr>
+            <a:r>
+              <a:rPr lang="en-GB" sz="5600" dirty="0"/>
+              <a:t>According to ROS best practices, the frame conventions are as follows</a:t>
+            </a:r>
+          </a:p>
+          <a:p>
+            <a:pPr marL="342900" marR="0" lvl="0" indent="-342900" algn="l" defTabSz="914400" rtl="0" eaLnBrk="0" fontAlgn="base" latinLnBrk="0" hangingPunct="0">
+              <a:lnSpc>
+                <a:spcPct val="170000"/>
+              </a:lnSpc>
+              <a:spcBef>
+                <a:spcPct val="0"/>
+              </a:spcBef>
+              <a:spcAft>
+                <a:spcPct val="0"/>
+              </a:spcAft>
+              <a:buClrTx/>
+              <a:buSzTx/>
+              <a:buFont typeface="+mj-lt"/>
+              <a:buAutoNum type="arabicPeriod"/>
+              <a:tabLst/>
+            </a:pPr>
+            <a:r>
+              <a:rPr lang="en-US" altLang="en-US" sz="5600" dirty="0">
+                <a:latin typeface="Nexa-Bold" panose="01000000000000000000" pitchFamily="2" charset="0"/>
+              </a:rPr>
+              <a:t>Chirality</a:t>
+            </a:r>
+          </a:p>
+          <a:p>
+            <a:pPr lvl="1" eaLnBrk="0" fontAlgn="base" hangingPunct="0">
+              <a:lnSpc>
+                <a:spcPct val="170000"/>
+              </a:lnSpc>
+              <a:spcBef>
+                <a:spcPct val="0"/>
+              </a:spcBef>
+              <a:spcAft>
+                <a:spcPct val="0"/>
+              </a:spcAft>
+            </a:pPr>
+            <a:r>
+              <a:rPr lang="en-US" altLang="en-US" sz="5600" dirty="0"/>
+              <a:t>All systems are right-handed. This means they comply with the right-hand rule.</a:t>
+            </a:r>
+          </a:p>
+          <a:p>
+            <a:pPr marL="342900" indent="-342900" eaLnBrk="0" fontAlgn="base" hangingPunct="0">
+              <a:lnSpc>
+                <a:spcPct val="170000"/>
+              </a:lnSpc>
+              <a:spcBef>
+                <a:spcPct val="0"/>
+              </a:spcBef>
+              <a:spcAft>
+                <a:spcPct val="0"/>
+              </a:spcAft>
+              <a:buFont typeface="+mj-lt"/>
+              <a:buAutoNum type="arabicPeriod"/>
+            </a:pPr>
+            <a:r>
+              <a:rPr lang="en-US" altLang="en-US" sz="5600" dirty="0">
+                <a:latin typeface="Nexa-Bold" panose="01000000000000000000" pitchFamily="2" charset="0"/>
+              </a:rPr>
+              <a:t>Axis Orientation</a:t>
+            </a:r>
+          </a:p>
+          <a:p>
+            <a:pPr lvl="1" eaLnBrk="0" fontAlgn="base" hangingPunct="0">
+              <a:lnSpc>
+                <a:spcPct val="170000"/>
+              </a:lnSpc>
+              <a:spcBef>
+                <a:spcPct val="0"/>
+              </a:spcBef>
+              <a:spcAft>
+                <a:spcPct val="0"/>
+              </a:spcAft>
+            </a:pPr>
+            <a:r>
+              <a:rPr lang="en-US" altLang="en-US" sz="5600" dirty="0"/>
+              <a:t>In relation to a body the standard is:</a:t>
+            </a:r>
+          </a:p>
+          <a:p>
+            <a:pPr marL="914400" lvl="2" indent="0" eaLnBrk="0" fontAlgn="base" hangingPunct="0">
+              <a:lnSpc>
+                <a:spcPct val="170000"/>
+              </a:lnSpc>
+              <a:spcBef>
+                <a:spcPct val="0"/>
+              </a:spcBef>
+              <a:spcAft>
+                <a:spcPct val="0"/>
+              </a:spcAft>
+              <a:buFontTx/>
+              <a:buChar char="•"/>
+            </a:pPr>
+            <a:r>
+              <a:rPr lang="en-US" altLang="en-US" sz="5600" dirty="0"/>
+              <a:t>x forward</a:t>
+            </a:r>
+          </a:p>
+          <a:p>
+            <a:pPr marL="914400" lvl="2" indent="0" eaLnBrk="0" fontAlgn="base" hangingPunct="0">
+              <a:lnSpc>
+                <a:spcPct val="170000"/>
+              </a:lnSpc>
+              <a:spcBef>
+                <a:spcPct val="0"/>
+              </a:spcBef>
+              <a:spcAft>
+                <a:spcPct val="0"/>
+              </a:spcAft>
+              <a:buFontTx/>
+              <a:buChar char="•"/>
+            </a:pPr>
+            <a:r>
+              <a:rPr lang="en-US" altLang="en-US" sz="5600" dirty="0"/>
+              <a:t>y left</a:t>
+            </a:r>
+          </a:p>
+          <a:p>
+            <a:pPr marL="914400" lvl="2" indent="0" eaLnBrk="0" fontAlgn="base" hangingPunct="0">
+              <a:lnSpc>
+                <a:spcPct val="170000"/>
+              </a:lnSpc>
+              <a:spcBef>
+                <a:spcPct val="0"/>
+              </a:spcBef>
+              <a:spcAft>
+                <a:spcPct val="0"/>
+              </a:spcAft>
+              <a:buFontTx/>
+              <a:buChar char="•"/>
+            </a:pPr>
+            <a:r>
+              <a:rPr lang="en-US" altLang="en-US" sz="5600" dirty="0"/>
+              <a:t>z up</a:t>
+            </a:r>
+          </a:p>
+          <a:p>
+            <a:pPr eaLnBrk="0" fontAlgn="base" hangingPunct="0">
+              <a:lnSpc>
+                <a:spcPct val="170000"/>
+              </a:lnSpc>
+              <a:spcBef>
+                <a:spcPct val="0"/>
+              </a:spcBef>
+              <a:spcAft>
+                <a:spcPct val="0"/>
+              </a:spcAft>
+            </a:pPr>
+            <a:r>
+              <a:rPr lang="en-US" altLang="en-US" sz="5600" dirty="0"/>
+              <a:t>For short-range Cartesian representations of geographic locations, use the east-north up (ENU) convention:</a:t>
+            </a:r>
+          </a:p>
+          <a:p>
+            <a:pPr lvl="2" eaLnBrk="0" fontAlgn="base" hangingPunct="0">
+              <a:lnSpc>
+                <a:spcPct val="170000"/>
+              </a:lnSpc>
+              <a:spcBef>
+                <a:spcPct val="0"/>
+              </a:spcBef>
+              <a:spcAft>
+                <a:spcPct val="0"/>
+              </a:spcAft>
+            </a:pPr>
+            <a:r>
+              <a:rPr lang="en-US" altLang="en-US" sz="5600" dirty="0"/>
+              <a:t>X east</a:t>
+            </a:r>
+          </a:p>
+          <a:p>
+            <a:pPr lvl="2" eaLnBrk="0" fontAlgn="base" hangingPunct="0">
+              <a:lnSpc>
+                <a:spcPct val="170000"/>
+              </a:lnSpc>
+              <a:spcBef>
+                <a:spcPct val="0"/>
+              </a:spcBef>
+              <a:spcAft>
+                <a:spcPct val="0"/>
+              </a:spcAft>
+            </a:pPr>
+            <a:r>
+              <a:rPr lang="en-US" altLang="en-US" sz="5600" dirty="0"/>
+              <a:t>Y north</a:t>
+            </a:r>
+          </a:p>
+          <a:p>
+            <a:pPr lvl="2" eaLnBrk="0" fontAlgn="base" hangingPunct="0">
+              <a:lnSpc>
+                <a:spcPct val="170000"/>
+              </a:lnSpc>
+              <a:spcBef>
+                <a:spcPct val="0"/>
+              </a:spcBef>
+              <a:spcAft>
+                <a:spcPct val="0"/>
+              </a:spcAft>
+            </a:pPr>
+            <a:r>
+              <a:rPr lang="en-US" altLang="en-US" sz="5600" dirty="0"/>
+              <a:t>Z up</a:t>
+            </a:r>
+          </a:p>
+        </p:txBody>
+      </p:sp>
+      <p:sp>
+        <p:nvSpPr>
+          <p:cNvPr id="4" name="Title 3">
+            <a:extLst>
+              <a:ext uri="{FF2B5EF4-FFF2-40B4-BE49-F238E27FC236}">
+                <a16:creationId xmlns:a16="http://schemas.microsoft.com/office/drawing/2014/main" id="{F2CFCB92-9A2B-282B-FA0D-DE7E418B64C9}"/>
+              </a:ext>
+            </a:extLst>
+          </p:cNvPr>
+          <p:cNvSpPr>
+            <a:spLocks noGrp="1"/>
+          </p:cNvSpPr>
+          <p:nvPr>
+            <p:ph type="title"/>
+          </p:nvPr>
+        </p:nvSpPr>
+        <p:spPr/>
+        <p:txBody>
+          <a:bodyPr/>
+          <a:lstStyle/>
+          <a:p>
+            <a:r>
+              <a:rPr lang="en-GB" dirty="0"/>
+              <a:t>Localisation in ROS</a:t>
+            </a:r>
+          </a:p>
+        </p:txBody>
+      </p:sp>
+      <p:sp>
+        <p:nvSpPr>
+          <p:cNvPr id="6" name="Content Placeholder 1">
+            <a:extLst>
+              <a:ext uri="{FF2B5EF4-FFF2-40B4-BE49-F238E27FC236}">
+                <a16:creationId xmlns:a16="http://schemas.microsoft.com/office/drawing/2014/main" id="{54AE5F3B-DF83-C77E-1BC3-8F8801A0356E}"/>
+              </a:ext>
+            </a:extLst>
+          </p:cNvPr>
+          <p:cNvSpPr txBox="1">
+            <a:spLocks/>
+          </p:cNvSpPr>
+          <p:nvPr/>
+        </p:nvSpPr>
+        <p:spPr>
+          <a:xfrm>
+            <a:off x="6096000" y="1589454"/>
+            <a:ext cx="5181600" cy="5147805"/>
+          </a:xfrm>
+          <a:prstGeom prst="rect">
+            <a:avLst/>
+          </a:prstGeom>
+        </p:spPr>
+        <p:txBody>
+          <a:bodyPr vert="horz" lIns="91440" tIns="45720" rIns="91440" bIns="45720" rtlCol="0">
+            <a:normAutofit/>
+          </a:bodyPr>
+          <a:lstStyle>
+            <a:lvl1pPr marL="228600" indent="-228600" algn="l" defTabSz="914400" rtl="0" eaLnBrk="1" latinLnBrk="0" hangingPunct="1">
+              <a:lnSpc>
+                <a:spcPct val="90000"/>
+              </a:lnSpc>
+              <a:spcBef>
+                <a:spcPts val="1000"/>
+              </a:spcBef>
+              <a:buFont typeface="Arial" panose="020B0604020202020204" pitchFamily="34" charset="0"/>
+              <a:buChar char="•"/>
+              <a:defRPr sz="2800" kern="1200">
+                <a:solidFill>
+                  <a:schemeClr val="bg2">
+                    <a:lumMod val="50000"/>
+                  </a:schemeClr>
+                </a:solidFill>
+                <a:latin typeface="Nexa-Light" panose="01000000000000000000" pitchFamily="2" charset="0"/>
+                <a:ea typeface="+mn-ea"/>
+                <a:cs typeface="+mn-cs"/>
+              </a:defRPr>
+            </a:lvl1pPr>
+            <a:lvl2pPr marL="685800" indent="-228600" algn="l" defTabSz="914400" rtl="0" eaLnBrk="1" latinLnBrk="0" hangingPunct="1">
+              <a:lnSpc>
+                <a:spcPct val="90000"/>
+              </a:lnSpc>
+              <a:spcBef>
+                <a:spcPts val="500"/>
+              </a:spcBef>
+              <a:buFont typeface="Arial" panose="020B0604020202020204" pitchFamily="34" charset="0"/>
+              <a:buChar char="•"/>
+              <a:defRPr sz="2400" kern="1200">
+                <a:solidFill>
+                  <a:schemeClr val="bg2">
+                    <a:lumMod val="50000"/>
+                  </a:schemeClr>
+                </a:solidFill>
+                <a:latin typeface="Nexa-Light" panose="01000000000000000000" pitchFamily="2" charset="0"/>
+                <a:ea typeface="+mn-ea"/>
+                <a:cs typeface="+mn-cs"/>
+              </a:defRPr>
+            </a:lvl2pPr>
+            <a:lvl3pPr marL="1143000" indent="-228600" algn="l" defTabSz="914400" rtl="0" eaLnBrk="1" latinLnBrk="0" hangingPunct="1">
+              <a:lnSpc>
+                <a:spcPct val="90000"/>
+              </a:lnSpc>
+              <a:spcBef>
+                <a:spcPts val="500"/>
+              </a:spcBef>
+              <a:buFont typeface="Arial" panose="020B0604020202020204" pitchFamily="34" charset="0"/>
+              <a:buChar char="•"/>
+              <a:defRPr sz="2000" kern="1200">
+                <a:solidFill>
+                  <a:schemeClr val="bg2">
+                    <a:lumMod val="50000"/>
+                  </a:schemeClr>
+                </a:solidFill>
+                <a:latin typeface="Nexa-Light" panose="01000000000000000000" pitchFamily="2" charset="0"/>
+                <a:ea typeface="+mn-ea"/>
+                <a:cs typeface="+mn-cs"/>
+              </a:defRPr>
+            </a:lvl3pPr>
+            <a:lvl4pPr marL="1600200" indent="-228600" algn="l" defTabSz="914400" rtl="0" eaLnBrk="1" latinLnBrk="0" hangingPunct="1">
+              <a:lnSpc>
+                <a:spcPct val="90000"/>
+              </a:lnSpc>
+              <a:spcBef>
+                <a:spcPts val="500"/>
+              </a:spcBef>
+              <a:buFont typeface="Arial" panose="020B0604020202020204" pitchFamily="34" charset="0"/>
+              <a:buChar char="•"/>
+              <a:defRPr sz="1800" kern="1200">
+                <a:solidFill>
+                  <a:schemeClr val="bg2">
+                    <a:lumMod val="50000"/>
+                  </a:schemeClr>
+                </a:solidFill>
+                <a:latin typeface="Nexa-Light" panose="01000000000000000000" pitchFamily="2" charset="0"/>
+                <a:ea typeface="+mn-ea"/>
+                <a:cs typeface="+mn-cs"/>
+              </a:defRPr>
+            </a:lvl4pPr>
+            <a:lvl5pPr marL="2057400" indent="-228600" algn="l" defTabSz="914400" rtl="0" eaLnBrk="1" latinLnBrk="0" hangingPunct="1">
+              <a:lnSpc>
+                <a:spcPct val="90000"/>
+              </a:lnSpc>
+              <a:spcBef>
+                <a:spcPts val="500"/>
+              </a:spcBef>
+              <a:buFont typeface="Arial" panose="020B0604020202020204" pitchFamily="34" charset="0"/>
+              <a:buChar char="•"/>
+              <a:defRPr sz="1800" kern="1200">
+                <a:solidFill>
+                  <a:schemeClr val="bg2">
+                    <a:lumMod val="50000"/>
+                  </a:schemeClr>
+                </a:solidFill>
+                <a:latin typeface="Nexa-Light" panose="01000000000000000000" pitchFamily="2" charset="0"/>
+                <a:ea typeface="+mn-ea"/>
+                <a:cs typeface="+mn-cs"/>
+              </a:defRPr>
+            </a:lvl5pPr>
+            <a:lvl6pPr marL="2514600" indent="-228600" algn="l" defTabSz="914400" rtl="0" eaLnBrk="1" latinLnBrk="0" hangingPunct="1">
+              <a:lnSpc>
+                <a:spcPct val="90000"/>
+              </a:lnSpc>
+              <a:spcBef>
+                <a:spcPts val="500"/>
+              </a:spcBef>
+              <a:buFont typeface="Arial" panose="020B0604020202020204" pitchFamily="34" charset="0"/>
+              <a:buChar char="•"/>
+              <a:defRPr sz="1800" kern="1200">
+                <a:solidFill>
+                  <a:schemeClr val="tx1"/>
+                </a:solidFill>
+                <a:latin typeface="+mn-lt"/>
+                <a:ea typeface="+mn-ea"/>
+                <a:cs typeface="+mn-cs"/>
+              </a:defRPr>
+            </a:lvl6pPr>
+            <a:lvl7pPr marL="2971800" indent="-228600" algn="l" defTabSz="914400" rtl="0" eaLnBrk="1" latinLnBrk="0" hangingPunct="1">
+              <a:lnSpc>
+                <a:spcPct val="90000"/>
+              </a:lnSpc>
+              <a:spcBef>
+                <a:spcPts val="500"/>
+              </a:spcBef>
+              <a:buFont typeface="Arial" panose="020B0604020202020204" pitchFamily="34" charset="0"/>
+              <a:buChar char="•"/>
+              <a:defRPr sz="1800" kern="1200">
+                <a:solidFill>
+                  <a:schemeClr val="tx1"/>
+                </a:solidFill>
+                <a:latin typeface="+mn-lt"/>
+                <a:ea typeface="+mn-ea"/>
+                <a:cs typeface="+mn-cs"/>
+              </a:defRPr>
+            </a:lvl7pPr>
+            <a:lvl8pPr marL="3429000" indent="-228600" algn="l" defTabSz="914400" rtl="0" eaLnBrk="1" latinLnBrk="0" hangingPunct="1">
+              <a:lnSpc>
+                <a:spcPct val="90000"/>
+              </a:lnSpc>
+              <a:spcBef>
+                <a:spcPts val="500"/>
+              </a:spcBef>
+              <a:buFont typeface="Arial" panose="020B0604020202020204" pitchFamily="34" charset="0"/>
+              <a:buChar char="•"/>
+              <a:defRPr sz="1800" kern="1200">
+                <a:solidFill>
+                  <a:schemeClr val="tx1"/>
+                </a:solidFill>
+                <a:latin typeface="+mn-lt"/>
+                <a:ea typeface="+mn-ea"/>
+                <a:cs typeface="+mn-cs"/>
+              </a:defRPr>
+            </a:lvl8pPr>
+            <a:lvl9pPr marL="3886200" indent="-228600" algn="l" defTabSz="914400" rtl="0" eaLnBrk="1" latinLnBrk="0" hangingPunct="1">
+              <a:lnSpc>
+                <a:spcPct val="90000"/>
+              </a:lnSpc>
+              <a:spcBef>
+                <a:spcPts val="500"/>
+              </a:spcBef>
+              <a:buFont typeface="Arial" panose="020B0604020202020204" pitchFamily="34" charset="0"/>
+              <a:buChar char="•"/>
+              <a:defRPr sz="1800" kern="1200">
+                <a:solidFill>
+                  <a:schemeClr val="tx1"/>
+                </a:solidFill>
+                <a:latin typeface="+mn-lt"/>
+                <a:ea typeface="+mn-ea"/>
+                <a:cs typeface="+mn-cs"/>
+              </a:defRPr>
+            </a:lvl9pPr>
+          </a:lstStyle>
+          <a:p>
+            <a:pPr marL="0" indent="0" eaLnBrk="0" fontAlgn="base" hangingPunct="0">
+              <a:lnSpc>
+                <a:spcPct val="170000"/>
+              </a:lnSpc>
+              <a:spcBef>
+                <a:spcPct val="0"/>
+              </a:spcBef>
+              <a:spcAft>
+                <a:spcPct val="0"/>
+              </a:spcAft>
+              <a:buFontTx/>
+              <a:buNone/>
+            </a:pPr>
+            <a:r>
+              <a:rPr lang="en-US" altLang="en-US" sz="1400" dirty="0"/>
+              <a:t>To avoid precision problems with large float32 values, it is recommended to choose a nearby origin, such as your system's starting position.</a:t>
+            </a:r>
+          </a:p>
+          <a:p>
+            <a:pPr eaLnBrk="0" fontAlgn="base" hangingPunct="0">
+              <a:lnSpc>
+                <a:spcPct val="150000"/>
+              </a:lnSpc>
+              <a:spcBef>
+                <a:spcPct val="0"/>
+              </a:spcBef>
+              <a:spcAft>
+                <a:spcPct val="0"/>
+              </a:spcAft>
+            </a:pPr>
+            <a:endParaRPr lang="en-GB" sz="1400" dirty="0"/>
+          </a:p>
+        </p:txBody>
+      </p:sp>
+      <p:pic>
+        <p:nvPicPr>
+          <p:cNvPr id="17" name="Picture 16">
+            <a:extLst>
+              <a:ext uri="{FF2B5EF4-FFF2-40B4-BE49-F238E27FC236}">
+                <a16:creationId xmlns:a16="http://schemas.microsoft.com/office/drawing/2014/main" id="{756C332D-C1FD-7A62-3B46-4E31191CF790}"/>
+              </a:ext>
+            </a:extLst>
+          </p:cNvPr>
+          <p:cNvPicPr>
+            <a:picLocks noChangeAspect="1"/>
+          </p:cNvPicPr>
+          <p:nvPr/>
+        </p:nvPicPr>
+        <p:blipFill>
+          <a:blip r:embed="rId2"/>
+          <a:stretch>
+            <a:fillRect/>
+          </a:stretch>
+        </p:blipFill>
+        <p:spPr>
+          <a:xfrm>
+            <a:off x="5687876" y="4163356"/>
+            <a:ext cx="2843005" cy="2476485"/>
+          </a:xfrm>
+          <a:prstGeom prst="rect">
+            <a:avLst/>
+          </a:prstGeom>
+        </p:spPr>
+      </p:pic>
+      <p:pic>
+        <p:nvPicPr>
+          <p:cNvPr id="3" name="Picture 2">
+            <a:extLst>
+              <a:ext uri="{FF2B5EF4-FFF2-40B4-BE49-F238E27FC236}">
+                <a16:creationId xmlns:a16="http://schemas.microsoft.com/office/drawing/2014/main" id="{1E038478-49D5-0659-91CF-EFA304C69684}"/>
+              </a:ext>
+            </a:extLst>
+          </p:cNvPr>
+          <p:cNvPicPr>
+            <a:picLocks noChangeAspect="1"/>
+          </p:cNvPicPr>
+          <p:nvPr/>
+        </p:nvPicPr>
+        <p:blipFill>
+          <a:blip r:embed="rId3">
+            <a:extLst>
+              <a:ext uri="{28A0092B-C50C-407E-A947-70E740481C1C}">
+                <a14:useLocalDpi xmlns:a14="http://schemas.microsoft.com/office/drawing/2010/main" val="0"/>
+              </a:ext>
+              <a:ext uri="{96DAC541-7B7A-43D3-8B79-37D633B846F1}">
+                <asvg:svgBlip xmlns:asvg="http://schemas.microsoft.com/office/drawing/2016/SVG/main" r:embed="rId4"/>
+              </a:ext>
+            </a:extLst>
+          </a:blip>
+          <a:srcRect/>
+          <a:stretch/>
+        </p:blipFill>
+        <p:spPr>
+          <a:xfrm>
+            <a:off x="7615119" y="2815625"/>
+            <a:ext cx="4570642" cy="2168751"/>
+          </a:xfrm>
+          <a:prstGeom prst="rect">
+            <a:avLst/>
+          </a:prstGeom>
+        </p:spPr>
+      </p:pic>
+    </p:spTree>
+    <p:extLst>
+      <p:ext uri="{BB962C8B-B14F-4D97-AF65-F5344CB8AC3E}">
+        <p14:creationId xmlns:p14="http://schemas.microsoft.com/office/powerpoint/2010/main" val="830605192"/>
+      </p:ext>
+    </p:extLst>
+  </p:cSld>
+  <p:clrMapOvr>
+    <a:masterClrMapping/>
+  </p:clrMapOvr>
+</p:sld>
+</file>
+
+<file path=ppt/slides/slide25.xml><?xml version="1.0" encoding="utf-8"?>
+<p:sld xmlns:a="http://schemas.openxmlformats.org/drawingml/2006/main" xmlns:r="http://schemas.openxmlformats.org/officeDocument/2006/relationships" xmlns:p="http://schemas.openxmlformats.org/presentationml/2006/main">
+  <p:cSld>
+    <p:spTree>
+      <p:nvGrpSpPr>
+        <p:cNvPr id="1" name=""/>
+        <p:cNvGrpSpPr/>
+        <p:nvPr/>
+      </p:nvGrpSpPr>
+      <p:grpSpPr>
+        <a:xfrm>
+          <a:off x="0" y="0"/>
+          <a:ext cx="0" cy="0"/>
+          <a:chOff x="0" y="0"/>
+          <a:chExt cx="0" cy="0"/>
+        </a:xfrm>
+      </p:grpSpPr>
+      <p:sp>
+        <p:nvSpPr>
+          <p:cNvPr id="2" name="Content Placeholder 1">
+            <a:extLst>
+              <a:ext uri="{FF2B5EF4-FFF2-40B4-BE49-F238E27FC236}">
+                <a16:creationId xmlns:a16="http://schemas.microsoft.com/office/drawing/2014/main" id="{410B9D64-7DAD-2122-A1FD-2F1A8A61BE99}"/>
+              </a:ext>
+            </a:extLst>
+          </p:cNvPr>
+          <p:cNvSpPr>
+            <a:spLocks noGrp="1"/>
+          </p:cNvSpPr>
+          <p:nvPr>
+            <p:ph sz="half" idx="1"/>
+          </p:nvPr>
+        </p:nvSpPr>
+        <p:spPr>
+          <a:xfrm>
+            <a:off x="371917" y="1589455"/>
+            <a:ext cx="5181600" cy="5147805"/>
+          </a:xfrm>
+        </p:spPr>
+        <p:txBody>
+          <a:bodyPr>
+            <a:normAutofit/>
+          </a:bodyPr>
+          <a:lstStyle/>
+          <a:p>
+            <a:pPr marL="342900" indent="-342900" eaLnBrk="0" fontAlgn="base" hangingPunct="0">
+              <a:lnSpc>
+                <a:spcPct val="150000"/>
+              </a:lnSpc>
+              <a:spcBef>
+                <a:spcPct val="0"/>
+              </a:spcBef>
+              <a:spcAft>
+                <a:spcPct val="0"/>
+              </a:spcAft>
+              <a:buFont typeface="+mj-lt"/>
+              <a:buAutoNum type="arabicPeriod" startAt="3"/>
+            </a:pPr>
+            <a:r>
+              <a:rPr lang="en-US" altLang="en-US" sz="1600" dirty="0">
+                <a:latin typeface="Nexa-Bold" panose="01000000000000000000" pitchFamily="2" charset="0"/>
+              </a:rPr>
+              <a:t>Suffix Frames</a:t>
+            </a:r>
+          </a:p>
+          <a:p>
+            <a:pPr marL="457200" lvl="1" indent="0" eaLnBrk="0" fontAlgn="base" hangingPunct="0">
+              <a:lnSpc>
+                <a:spcPct val="150000"/>
+              </a:lnSpc>
+              <a:spcBef>
+                <a:spcPct val="0"/>
+              </a:spcBef>
+              <a:spcAft>
+                <a:spcPct val="0"/>
+              </a:spcAft>
+              <a:buNone/>
+            </a:pPr>
+            <a:r>
+              <a:rPr lang="en-US" altLang="en-US" sz="1400" dirty="0"/>
+              <a:t>In the case of cameras, there is often a second frame defined with a "_optical" suffix. This uses a slightly different convention:</a:t>
+            </a:r>
+          </a:p>
+          <a:p>
+            <a:pPr marL="914400" lvl="2" indent="0" eaLnBrk="0" fontAlgn="base" hangingPunct="0">
+              <a:lnSpc>
+                <a:spcPct val="150000"/>
+              </a:lnSpc>
+              <a:spcBef>
+                <a:spcPct val="0"/>
+              </a:spcBef>
+              <a:spcAft>
+                <a:spcPct val="0"/>
+              </a:spcAft>
+              <a:buFontTx/>
+              <a:buChar char="•"/>
+            </a:pPr>
+            <a:r>
+              <a:rPr lang="en-US" altLang="en-US" sz="1400" dirty="0"/>
+              <a:t>z forward</a:t>
+            </a:r>
+          </a:p>
+          <a:p>
+            <a:pPr marL="914400" lvl="2" indent="0" eaLnBrk="0" fontAlgn="base" hangingPunct="0">
+              <a:lnSpc>
+                <a:spcPct val="150000"/>
+              </a:lnSpc>
+              <a:spcBef>
+                <a:spcPct val="0"/>
+              </a:spcBef>
+              <a:spcAft>
+                <a:spcPct val="0"/>
+              </a:spcAft>
+              <a:buFontTx/>
+              <a:buChar char="•"/>
+            </a:pPr>
+            <a:r>
+              <a:rPr lang="en-US" altLang="en-US" sz="1400" dirty="0"/>
+              <a:t>x right</a:t>
+            </a:r>
+          </a:p>
+          <a:p>
+            <a:pPr marL="914400" lvl="2" indent="0" eaLnBrk="0" fontAlgn="base" hangingPunct="0">
+              <a:lnSpc>
+                <a:spcPct val="150000"/>
+              </a:lnSpc>
+              <a:spcBef>
+                <a:spcPct val="0"/>
+              </a:spcBef>
+              <a:spcAft>
+                <a:spcPct val="0"/>
+              </a:spcAft>
+              <a:buFontTx/>
+              <a:buChar char="•"/>
+            </a:pPr>
+            <a:r>
+              <a:rPr lang="en-US" altLang="en-US" sz="1400" dirty="0"/>
+              <a:t>y down</a:t>
+            </a:r>
+          </a:p>
+          <a:p>
+            <a:pPr marL="457200" lvl="1" indent="0" eaLnBrk="0" fontAlgn="base" hangingPunct="0">
+              <a:lnSpc>
+                <a:spcPct val="150000"/>
+              </a:lnSpc>
+              <a:spcBef>
+                <a:spcPct val="0"/>
+              </a:spcBef>
+              <a:spcAft>
+                <a:spcPct val="0"/>
+              </a:spcAft>
+              <a:buNone/>
+            </a:pPr>
+            <a:r>
+              <a:rPr lang="en-US" altLang="en-US" sz="1400" dirty="0"/>
+              <a:t>For outdoor systems where it is desirable to work under the northeast down (NED) convention, define an appropriately transformed secondary frame with the "_</a:t>
+            </a:r>
+            <a:r>
+              <a:rPr lang="en-US" altLang="en-US" sz="1400" dirty="0" err="1"/>
+              <a:t>ned</a:t>
+            </a:r>
+            <a:r>
+              <a:rPr lang="en-US" altLang="en-US" sz="1400" dirty="0"/>
+              <a:t>" suffix:</a:t>
+            </a:r>
+          </a:p>
+          <a:p>
+            <a:pPr marL="914400" lvl="2" indent="0" eaLnBrk="0" fontAlgn="base" hangingPunct="0">
+              <a:lnSpc>
+                <a:spcPct val="150000"/>
+              </a:lnSpc>
+              <a:spcBef>
+                <a:spcPct val="0"/>
+              </a:spcBef>
+              <a:spcAft>
+                <a:spcPct val="0"/>
+              </a:spcAft>
+              <a:buFontTx/>
+              <a:buChar char="•"/>
+            </a:pPr>
+            <a:r>
+              <a:rPr lang="en-US" altLang="en-US" sz="1400" dirty="0"/>
+              <a:t>X north</a:t>
+            </a:r>
+          </a:p>
+          <a:p>
+            <a:pPr marL="914400" lvl="2" indent="0" eaLnBrk="0" fontAlgn="base" hangingPunct="0">
+              <a:lnSpc>
+                <a:spcPct val="150000"/>
+              </a:lnSpc>
+              <a:spcBef>
+                <a:spcPct val="0"/>
+              </a:spcBef>
+              <a:spcAft>
+                <a:spcPct val="0"/>
+              </a:spcAft>
+              <a:buFontTx/>
+              <a:buChar char="•"/>
+            </a:pPr>
+            <a:r>
+              <a:rPr lang="en-US" altLang="en-US" sz="1400" dirty="0"/>
+              <a:t>Y east</a:t>
+            </a:r>
+          </a:p>
+          <a:p>
+            <a:pPr marL="914400" lvl="2" indent="0" eaLnBrk="0" fontAlgn="base" hangingPunct="0">
+              <a:lnSpc>
+                <a:spcPct val="150000"/>
+              </a:lnSpc>
+              <a:spcBef>
+                <a:spcPct val="0"/>
+              </a:spcBef>
+              <a:spcAft>
+                <a:spcPct val="0"/>
+              </a:spcAft>
+              <a:buFontTx/>
+              <a:buChar char="•"/>
+            </a:pPr>
+            <a:r>
+              <a:rPr lang="en-US" altLang="en-US" sz="1400" dirty="0"/>
+              <a:t>Z down</a:t>
+            </a:r>
+          </a:p>
+          <a:p>
+            <a:pPr eaLnBrk="0" fontAlgn="base" hangingPunct="0">
+              <a:lnSpc>
+                <a:spcPct val="150000"/>
+              </a:lnSpc>
+              <a:spcBef>
+                <a:spcPct val="0"/>
+              </a:spcBef>
+              <a:spcAft>
+                <a:spcPct val="0"/>
+              </a:spcAft>
+            </a:pPr>
+            <a:endParaRPr lang="en-GB" sz="1400" dirty="0"/>
+          </a:p>
+        </p:txBody>
+      </p:sp>
+      <p:sp>
+        <p:nvSpPr>
+          <p:cNvPr id="4" name="Title 3">
+            <a:extLst>
+              <a:ext uri="{FF2B5EF4-FFF2-40B4-BE49-F238E27FC236}">
+                <a16:creationId xmlns:a16="http://schemas.microsoft.com/office/drawing/2014/main" id="{F2CFCB92-9A2B-282B-FA0D-DE7E418B64C9}"/>
+              </a:ext>
+            </a:extLst>
+          </p:cNvPr>
+          <p:cNvSpPr>
+            <a:spLocks noGrp="1"/>
+          </p:cNvSpPr>
+          <p:nvPr>
+            <p:ph type="title"/>
+          </p:nvPr>
+        </p:nvSpPr>
+        <p:spPr/>
+        <p:txBody>
+          <a:bodyPr/>
+          <a:lstStyle/>
+          <a:p>
+            <a:r>
+              <a:rPr lang="en-GB" dirty="0"/>
+              <a:t>Localisation in ROS</a:t>
+            </a:r>
+          </a:p>
+        </p:txBody>
+      </p:sp>
+      <p:pic>
+        <p:nvPicPr>
+          <p:cNvPr id="24" name="Content Placeholder 23">
+            <a:extLst>
+              <a:ext uri="{FF2B5EF4-FFF2-40B4-BE49-F238E27FC236}">
+                <a16:creationId xmlns:a16="http://schemas.microsoft.com/office/drawing/2014/main" id="{FE9A3139-A386-62D3-B09F-70CB4C3F2983}"/>
+              </a:ext>
+            </a:extLst>
+          </p:cNvPr>
+          <p:cNvPicPr>
+            <a:picLocks noGrp="1" noChangeAspect="1"/>
+          </p:cNvPicPr>
+          <p:nvPr>
+            <p:ph sz="half" idx="2"/>
+          </p:nvPr>
+        </p:nvPicPr>
+        <p:blipFill>
+          <a:blip r:embed="rId2"/>
+          <a:stretch>
+            <a:fillRect/>
+          </a:stretch>
+        </p:blipFill>
+        <p:spPr>
+          <a:xfrm>
+            <a:off x="7190677" y="2420111"/>
+            <a:ext cx="4125249" cy="3475161"/>
+          </a:xfrm>
+          <a:prstGeom prst="rect">
+            <a:avLst/>
+          </a:prstGeom>
+        </p:spPr>
+      </p:pic>
+    </p:spTree>
+    <p:extLst>
+      <p:ext uri="{BB962C8B-B14F-4D97-AF65-F5344CB8AC3E}">
+        <p14:creationId xmlns:p14="http://schemas.microsoft.com/office/powerpoint/2010/main" val="1185595001"/>
+      </p:ext>
+    </p:extLst>
+  </p:cSld>
+  <p:clrMapOvr>
+    <a:masterClrMapping/>
+  </p:clrMapOvr>
+</p:sld>
+</file>
+
+<file path=ppt/slides/slide26.xml><?xml version="1.0" encoding="utf-8"?>
+<p:sld xmlns:a="http://schemas.openxmlformats.org/drawingml/2006/main" xmlns:r="http://schemas.openxmlformats.org/officeDocument/2006/relationships" xmlns:p="http://schemas.openxmlformats.org/presentationml/2006/main">
+  <p:cSld>
+    <p:spTree>
+      <p:nvGrpSpPr>
+        <p:cNvPr id="1" name=""/>
+        <p:cNvGrpSpPr/>
+        <p:nvPr/>
+      </p:nvGrpSpPr>
+      <p:grpSpPr>
+        <a:xfrm>
+          <a:off x="0" y="0"/>
+          <a:ext cx="0" cy="0"/>
+          <a:chOff x="0" y="0"/>
+          <a:chExt cx="0" cy="0"/>
+        </a:xfrm>
+      </p:grpSpPr>
+      <p:sp>
+        <p:nvSpPr>
+          <p:cNvPr id="2" name="Content Placeholder 1">
+            <a:extLst>
+              <a:ext uri="{FF2B5EF4-FFF2-40B4-BE49-F238E27FC236}">
+                <a16:creationId xmlns:a16="http://schemas.microsoft.com/office/drawing/2014/main" id="{410B9D64-7DAD-2122-A1FD-2F1A8A61BE99}"/>
+              </a:ext>
+            </a:extLst>
+          </p:cNvPr>
+          <p:cNvSpPr>
+            <a:spLocks noGrp="1"/>
+          </p:cNvSpPr>
+          <p:nvPr>
+            <p:ph sz="half" idx="1"/>
+          </p:nvPr>
+        </p:nvSpPr>
+        <p:spPr>
+          <a:xfrm>
+            <a:off x="371916" y="1589455"/>
+            <a:ext cx="5724083" cy="5147805"/>
+          </a:xfrm>
+        </p:spPr>
+        <p:txBody>
+          <a:bodyPr>
+            <a:normAutofit lnSpcReduction="10000"/>
+          </a:bodyPr>
+          <a:lstStyle/>
+          <a:p>
+            <a:pPr marL="342900" marR="0" lvl="0" indent="-342900" algn="l" defTabSz="914400" rtl="0" eaLnBrk="0" fontAlgn="base" latinLnBrk="0" hangingPunct="0">
+              <a:lnSpc>
+                <a:spcPct val="100000"/>
+              </a:lnSpc>
+              <a:spcBef>
+                <a:spcPct val="0"/>
+              </a:spcBef>
+              <a:spcAft>
+                <a:spcPct val="0"/>
+              </a:spcAft>
+              <a:buClrTx/>
+              <a:buSzTx/>
+              <a:buFont typeface="+mj-lt"/>
+              <a:buAutoNum type="arabicPeriod" startAt="4"/>
+              <a:tabLst/>
+            </a:pPr>
+            <a:r>
+              <a:rPr lang="en-US" altLang="en-US" sz="1700" dirty="0">
+                <a:latin typeface="Nexa-Bold" panose="01000000000000000000" pitchFamily="2" charset="0"/>
+              </a:rPr>
+              <a:t>Rotation Representation</a:t>
+            </a:r>
+          </a:p>
+          <a:p>
+            <a:pPr marL="457200" lvl="1" indent="0" eaLnBrk="0" fontAlgn="base" hangingPunct="0">
+              <a:lnSpc>
+                <a:spcPct val="150000"/>
+              </a:lnSpc>
+              <a:spcBef>
+                <a:spcPct val="0"/>
+              </a:spcBef>
+              <a:spcAft>
+                <a:spcPct val="0"/>
+              </a:spcAft>
+              <a:buNone/>
+            </a:pPr>
+            <a:r>
+              <a:rPr lang="en-US" altLang="en-US" sz="1400" dirty="0"/>
+              <a:t>There are many ways to represent rotations. The preferred order is listed below, along with rationale.</a:t>
+            </a:r>
+          </a:p>
+          <a:p>
+            <a:pPr lvl="1" eaLnBrk="0" fontAlgn="base" hangingPunct="0">
+              <a:lnSpc>
+                <a:spcPct val="150000"/>
+              </a:lnSpc>
+              <a:spcBef>
+                <a:spcPct val="0"/>
+              </a:spcBef>
+              <a:spcAft>
+                <a:spcPct val="0"/>
+              </a:spcAft>
+            </a:pPr>
+            <a:r>
+              <a:rPr lang="en-US" altLang="en-US" sz="1400" dirty="0"/>
+              <a:t>Quaternion</a:t>
+            </a:r>
+          </a:p>
+          <a:p>
+            <a:pPr marL="914400" lvl="2" indent="0" eaLnBrk="0" fontAlgn="base" hangingPunct="0">
+              <a:lnSpc>
+                <a:spcPct val="150000"/>
+              </a:lnSpc>
+              <a:spcBef>
+                <a:spcPct val="0"/>
+              </a:spcBef>
+              <a:spcAft>
+                <a:spcPct val="0"/>
+              </a:spcAft>
+              <a:buFontTx/>
+              <a:buChar char="•"/>
+            </a:pPr>
+            <a:r>
+              <a:rPr lang="en-US" altLang="en-US" sz="1400" dirty="0"/>
+              <a:t>Compact representation</a:t>
+            </a:r>
+          </a:p>
+          <a:p>
+            <a:pPr marL="914400" lvl="2" indent="0" eaLnBrk="0" fontAlgn="base" hangingPunct="0">
+              <a:lnSpc>
+                <a:spcPct val="150000"/>
+              </a:lnSpc>
+              <a:spcBef>
+                <a:spcPct val="0"/>
+              </a:spcBef>
+              <a:spcAft>
+                <a:spcPct val="0"/>
+              </a:spcAft>
+              <a:buFontTx/>
+              <a:buChar char="•"/>
+            </a:pPr>
+            <a:r>
+              <a:rPr lang="en-US" altLang="en-US" sz="1400" dirty="0"/>
+              <a:t>No singularities</a:t>
+            </a:r>
+          </a:p>
+          <a:p>
+            <a:pPr lvl="1" eaLnBrk="0" fontAlgn="base" hangingPunct="0">
+              <a:lnSpc>
+                <a:spcPct val="150000"/>
+              </a:lnSpc>
+              <a:spcBef>
+                <a:spcPct val="0"/>
+              </a:spcBef>
+              <a:spcAft>
+                <a:spcPct val="0"/>
+              </a:spcAft>
+            </a:pPr>
+            <a:r>
+              <a:rPr lang="en-US" altLang="en-US" sz="1400" dirty="0"/>
+              <a:t>rotation matrix</a:t>
+            </a:r>
+          </a:p>
+          <a:p>
+            <a:pPr marL="914400" lvl="2" indent="0" eaLnBrk="0" fontAlgn="base" hangingPunct="0">
+              <a:lnSpc>
+                <a:spcPct val="150000"/>
+              </a:lnSpc>
+              <a:spcBef>
+                <a:spcPct val="0"/>
+              </a:spcBef>
+              <a:spcAft>
+                <a:spcPct val="0"/>
+              </a:spcAft>
+              <a:buFontTx/>
+              <a:buChar char="•"/>
+            </a:pPr>
+            <a:r>
+              <a:rPr lang="en-US" altLang="en-US" sz="1400" dirty="0"/>
+              <a:t>No singularities</a:t>
+            </a:r>
+          </a:p>
+          <a:p>
+            <a:pPr lvl="1" eaLnBrk="0" fontAlgn="base" hangingPunct="0">
+              <a:lnSpc>
+                <a:spcPct val="150000"/>
+              </a:lnSpc>
+              <a:spcBef>
+                <a:spcPct val="0"/>
+              </a:spcBef>
+              <a:spcAft>
+                <a:spcPct val="0"/>
+              </a:spcAft>
+            </a:pPr>
+            <a:r>
+              <a:rPr lang="en-US" altLang="en-US" sz="1400" dirty="0"/>
+              <a:t>fixed axis roll, pitch, yaw about X, Y, Z axes respectively</a:t>
+            </a:r>
+          </a:p>
+          <a:p>
+            <a:pPr marL="914400" lvl="2" indent="0" eaLnBrk="0" fontAlgn="base" hangingPunct="0">
+              <a:lnSpc>
+                <a:spcPct val="150000"/>
+              </a:lnSpc>
+              <a:spcBef>
+                <a:spcPct val="0"/>
+              </a:spcBef>
+              <a:spcAft>
+                <a:spcPct val="0"/>
+              </a:spcAft>
+              <a:buFontTx/>
+              <a:buChar char="•"/>
+            </a:pPr>
+            <a:r>
+              <a:rPr lang="en-US" altLang="en-US" sz="1400" dirty="0"/>
+              <a:t>No ambiguity on order</a:t>
+            </a:r>
+          </a:p>
+          <a:p>
+            <a:pPr marL="914400" lvl="2" indent="0" eaLnBrk="0" fontAlgn="base" hangingPunct="0">
+              <a:lnSpc>
+                <a:spcPct val="150000"/>
+              </a:lnSpc>
+              <a:spcBef>
+                <a:spcPct val="0"/>
+              </a:spcBef>
+              <a:spcAft>
+                <a:spcPct val="0"/>
+              </a:spcAft>
+              <a:buFontTx/>
+              <a:buChar char="•"/>
+            </a:pPr>
+            <a:r>
+              <a:rPr lang="en-US" altLang="en-US" sz="1400" dirty="0"/>
+              <a:t>Used for angular velocities</a:t>
+            </a:r>
+          </a:p>
+          <a:p>
+            <a:pPr lvl="1" eaLnBrk="0" fontAlgn="base" hangingPunct="0">
+              <a:lnSpc>
+                <a:spcPct val="150000"/>
+              </a:lnSpc>
+              <a:spcBef>
+                <a:spcPct val="0"/>
+              </a:spcBef>
+              <a:spcAft>
+                <a:spcPct val="0"/>
+              </a:spcAft>
+            </a:pPr>
+            <a:r>
+              <a:rPr lang="en-US" altLang="en-US" sz="1400" dirty="0"/>
+              <a:t>Euler angles yaw, pitch, and roll about Z, Y, X axes respectively</a:t>
+            </a:r>
+          </a:p>
+          <a:p>
+            <a:pPr marL="914400" lvl="2" indent="0" eaLnBrk="0" fontAlgn="base" hangingPunct="0">
+              <a:lnSpc>
+                <a:spcPct val="150000"/>
+              </a:lnSpc>
+              <a:spcBef>
+                <a:spcPct val="0"/>
+              </a:spcBef>
+              <a:spcAft>
+                <a:spcPct val="0"/>
+              </a:spcAft>
+              <a:buFontTx/>
+              <a:buChar char="•"/>
+            </a:pPr>
+            <a:r>
+              <a:rPr lang="en-US" altLang="en-US" sz="1400" dirty="0"/>
+              <a:t>Euler angles are generally discouraged due to having 24 'valid' conventions with different domains using different conventions by default.</a:t>
+            </a:r>
+          </a:p>
+          <a:p>
+            <a:pPr eaLnBrk="0" fontAlgn="base" hangingPunct="0">
+              <a:lnSpc>
+                <a:spcPct val="150000"/>
+              </a:lnSpc>
+              <a:spcBef>
+                <a:spcPct val="0"/>
+              </a:spcBef>
+              <a:spcAft>
+                <a:spcPct val="0"/>
+              </a:spcAft>
+            </a:pPr>
+            <a:endParaRPr lang="en-GB" sz="1400" dirty="0"/>
+          </a:p>
+        </p:txBody>
+      </p:sp>
+      <p:sp>
+        <p:nvSpPr>
+          <p:cNvPr id="4" name="Title 3">
+            <a:extLst>
+              <a:ext uri="{FF2B5EF4-FFF2-40B4-BE49-F238E27FC236}">
+                <a16:creationId xmlns:a16="http://schemas.microsoft.com/office/drawing/2014/main" id="{F2CFCB92-9A2B-282B-FA0D-DE7E418B64C9}"/>
+              </a:ext>
+            </a:extLst>
+          </p:cNvPr>
+          <p:cNvSpPr>
+            <a:spLocks noGrp="1"/>
+          </p:cNvSpPr>
+          <p:nvPr>
+            <p:ph type="title"/>
+          </p:nvPr>
+        </p:nvSpPr>
+        <p:spPr/>
+        <p:txBody>
+          <a:bodyPr/>
+          <a:lstStyle/>
+          <a:p>
+            <a:r>
+              <a:rPr lang="en-GB" dirty="0"/>
+              <a:t>Localisation in ROS</a:t>
+            </a:r>
+          </a:p>
+        </p:txBody>
+      </p:sp>
+      <p:pic>
+        <p:nvPicPr>
+          <p:cNvPr id="6" name="Content Placeholder 5">
+            <a:extLst>
+              <a:ext uri="{FF2B5EF4-FFF2-40B4-BE49-F238E27FC236}">
+                <a16:creationId xmlns:a16="http://schemas.microsoft.com/office/drawing/2014/main" id="{C5250311-B6C5-E82D-7067-F322780B55D7}"/>
+              </a:ext>
+            </a:extLst>
+          </p:cNvPr>
+          <p:cNvPicPr>
+            <a:picLocks noGrp="1" noChangeAspect="1"/>
+          </p:cNvPicPr>
+          <p:nvPr>
+            <p:ph sz="half" idx="2"/>
+          </p:nvPr>
+        </p:nvPicPr>
+        <p:blipFill>
+          <a:blip r:embed="rId2"/>
+          <a:stretch>
+            <a:fillRect/>
+          </a:stretch>
+        </p:blipFill>
+        <p:spPr>
+          <a:xfrm>
+            <a:off x="6820216" y="2291790"/>
+            <a:ext cx="4513097" cy="4351338"/>
+          </a:xfrm>
+          <a:prstGeom prst="rect">
+            <a:avLst/>
+          </a:prstGeom>
+        </p:spPr>
+      </p:pic>
+    </p:spTree>
+    <p:extLst>
+      <p:ext uri="{BB962C8B-B14F-4D97-AF65-F5344CB8AC3E}">
+        <p14:creationId xmlns:p14="http://schemas.microsoft.com/office/powerpoint/2010/main" val="2966358928"/>
+      </p:ext>
+    </p:extLst>
+  </p:cSld>
+  <p:clrMapOvr>
+    <a:masterClrMapping/>
+  </p:clrMapOvr>
+</p:sld>
+</file>
+
+<file path=ppt/slides/slide27.xml><?xml version="1.0" encoding="utf-8"?>
+<p:sld xmlns:a="http://schemas.openxmlformats.org/drawingml/2006/main" xmlns:r="http://schemas.openxmlformats.org/officeDocument/2006/relationships" xmlns:p="http://schemas.openxmlformats.org/presentationml/2006/main">
+  <p:cSld>
+    <p:spTree>
+      <p:nvGrpSpPr>
+        <p:cNvPr id="1" name=""/>
+        <p:cNvGrpSpPr/>
+        <p:nvPr/>
+      </p:nvGrpSpPr>
+      <p:grpSpPr>
+        <a:xfrm>
+          <a:off x="0" y="0"/>
+          <a:ext cx="0" cy="0"/>
+          <a:chOff x="0" y="0"/>
+          <a:chExt cx="0" cy="0"/>
+        </a:xfrm>
+      </p:grpSpPr>
+      <p:sp>
+        <p:nvSpPr>
+          <p:cNvPr id="2" name="Content Placeholder 1">
+            <a:extLst>
+              <a:ext uri="{FF2B5EF4-FFF2-40B4-BE49-F238E27FC236}">
+                <a16:creationId xmlns:a16="http://schemas.microsoft.com/office/drawing/2014/main" id="{B6B7996E-8177-CCEF-73C8-F85BAB431771}"/>
+              </a:ext>
+            </a:extLst>
+          </p:cNvPr>
+          <p:cNvSpPr>
+            <a:spLocks noGrp="1"/>
+          </p:cNvSpPr>
+          <p:nvPr>
+            <p:ph sz="half" idx="1"/>
+          </p:nvPr>
+        </p:nvSpPr>
+        <p:spPr>
+          <a:xfrm>
+            <a:off x="373380" y="1825624"/>
+            <a:ext cx="5181600" cy="4351338"/>
+          </a:xfrm>
+        </p:spPr>
+        <p:txBody>
+          <a:bodyPr>
+            <a:normAutofit/>
+          </a:bodyPr>
+          <a:lstStyle/>
+          <a:p>
+            <a:pPr marL="0" indent="0" algn="l">
+              <a:buNone/>
+            </a:pPr>
+            <a:r>
+              <a:rPr lang="en-GB" sz="1700" dirty="0">
+                <a:latin typeface="Nexa-Bold" panose="01000000000000000000" pitchFamily="2" charset="0"/>
+              </a:rPr>
+              <a:t>Motivation</a:t>
+            </a:r>
+          </a:p>
+          <a:p>
+            <a:pPr algn="l">
+              <a:lnSpc>
+                <a:spcPct val="150000"/>
+              </a:lnSpc>
+            </a:pPr>
+            <a:r>
+              <a:rPr lang="en-GB" sz="1400" dirty="0"/>
+              <a:t>Developers of drivers, models, and libraries need a shared convention for coordinate frames in order to integrate better and reuse software components. </a:t>
+            </a:r>
+          </a:p>
+          <a:p>
+            <a:pPr algn="l">
+              <a:lnSpc>
+                <a:spcPct val="150000"/>
+              </a:lnSpc>
+            </a:pPr>
+            <a:r>
+              <a:rPr lang="en-GB" sz="1400" dirty="0"/>
+              <a:t>Shared conventions for coordinate frames provide a specification for developers creating drivers and models for mobile bases. </a:t>
+            </a:r>
+          </a:p>
+          <a:p>
+            <a:pPr algn="l">
+              <a:lnSpc>
+                <a:spcPct val="150000"/>
+              </a:lnSpc>
+            </a:pPr>
+            <a:r>
+              <a:rPr lang="en-GB" sz="1400" dirty="0"/>
+              <a:t>Similarly, developers creating libraries and applications can more easily use their software with various mobile bases that are compatible with this specification.</a:t>
+            </a:r>
+            <a:endParaRPr lang="en-GB" sz="1800" dirty="0"/>
+          </a:p>
+        </p:txBody>
+      </p:sp>
+      <p:sp>
+        <p:nvSpPr>
+          <p:cNvPr id="4" name="Title 3">
+            <a:extLst>
+              <a:ext uri="{FF2B5EF4-FFF2-40B4-BE49-F238E27FC236}">
+                <a16:creationId xmlns:a16="http://schemas.microsoft.com/office/drawing/2014/main" id="{A7408FE5-595C-BE07-2D0D-04AEFCD4500B}"/>
+              </a:ext>
+            </a:extLst>
+          </p:cNvPr>
+          <p:cNvSpPr>
+            <a:spLocks noGrp="1"/>
+          </p:cNvSpPr>
+          <p:nvPr>
+            <p:ph type="title"/>
+          </p:nvPr>
+        </p:nvSpPr>
+        <p:spPr/>
+        <p:txBody>
+          <a:bodyPr>
+            <a:normAutofit/>
+          </a:bodyPr>
+          <a:lstStyle/>
+          <a:p>
+            <a:r>
+              <a:rPr lang="en-GB" dirty="0"/>
+              <a:t>Coordinate frames mobile platforms</a:t>
+            </a:r>
+          </a:p>
+        </p:txBody>
+      </p:sp>
+      <p:pic>
+        <p:nvPicPr>
+          <p:cNvPr id="8" name="Content Placeholder 7">
+            <a:extLst>
+              <a:ext uri="{FF2B5EF4-FFF2-40B4-BE49-F238E27FC236}">
+                <a16:creationId xmlns:a16="http://schemas.microsoft.com/office/drawing/2014/main" id="{BBA45861-42C0-0975-8FC7-BDFA98366502}"/>
+              </a:ext>
+            </a:extLst>
+          </p:cNvPr>
+          <p:cNvPicPr>
+            <a:picLocks noGrp="1" noChangeAspect="1"/>
+          </p:cNvPicPr>
+          <p:nvPr>
+            <p:ph sz="half" idx="2"/>
+          </p:nvPr>
+        </p:nvPicPr>
+        <p:blipFill>
+          <a:blip r:embed="rId2"/>
+          <a:stretch>
+            <a:fillRect/>
+          </a:stretch>
+        </p:blipFill>
+        <p:spPr>
+          <a:xfrm>
+            <a:off x="6424981" y="2653961"/>
+            <a:ext cx="4676037" cy="2694666"/>
+          </a:xfrm>
+          <a:prstGeom prst="rect">
+            <a:avLst/>
+          </a:prstGeom>
+        </p:spPr>
+      </p:pic>
+    </p:spTree>
+    <p:extLst>
+      <p:ext uri="{BB962C8B-B14F-4D97-AF65-F5344CB8AC3E}">
+        <p14:creationId xmlns:p14="http://schemas.microsoft.com/office/powerpoint/2010/main" val="220360419"/>
+      </p:ext>
+    </p:extLst>
+  </p:cSld>
+  <p:clrMapOvr>
+    <a:masterClrMapping/>
+  </p:clrMapOvr>
+</p:sld>
+</file>
+
+<file path=ppt/slides/slide28.xml><?xml version="1.0" encoding="utf-8"?>
+<p:sld xmlns:a="http://schemas.openxmlformats.org/drawingml/2006/main" xmlns:r="http://schemas.openxmlformats.org/officeDocument/2006/relationships" xmlns:p="http://schemas.openxmlformats.org/presentationml/2006/main">
+  <p:cSld>
+    <p:spTree>
+      <p:nvGrpSpPr>
+        <p:cNvPr id="1" name=""/>
+        <p:cNvGrpSpPr/>
+        <p:nvPr/>
+      </p:nvGrpSpPr>
+      <p:grpSpPr>
+        <a:xfrm>
+          <a:off x="0" y="0"/>
+          <a:ext cx="0" cy="0"/>
+          <a:chOff x="0" y="0"/>
+          <a:chExt cx="0" cy="0"/>
+        </a:xfrm>
+      </p:grpSpPr>
+      <p:sp>
+        <p:nvSpPr>
+          <p:cNvPr id="3" name="Content Placeholder 2">
+            <a:extLst>
+              <a:ext uri="{FF2B5EF4-FFF2-40B4-BE49-F238E27FC236}">
+                <a16:creationId xmlns:a16="http://schemas.microsoft.com/office/drawing/2014/main" id="{97AB36C7-74FF-40AF-8A9B-1E3E19D8DF92}"/>
+              </a:ext>
+            </a:extLst>
+          </p:cNvPr>
+          <p:cNvSpPr>
+            <a:spLocks noGrp="1"/>
+          </p:cNvSpPr>
+          <p:nvPr>
+            <p:ph sz="half" idx="2"/>
+          </p:nvPr>
+        </p:nvSpPr>
+        <p:spPr/>
+        <p:txBody>
+          <a:bodyPr>
+            <a:normAutofit/>
+          </a:bodyPr>
+          <a:lstStyle/>
+          <a:p>
+            <a:pPr marL="457200" lvl="1" indent="0">
+              <a:lnSpc>
+                <a:spcPct val="150000"/>
+              </a:lnSpc>
+              <a:buFontTx/>
+              <a:buNone/>
+            </a:pPr>
+            <a:r>
+              <a:rPr lang="en-US" altLang="en-US" sz="1400" dirty="0"/>
+              <a:t>However, the pose of a robot in the odom frame is guaranteed to be continuous, meaning that the pose of a mobile platform in the odom frame always evolves in a smooth way, without discrete jumps.</a:t>
+            </a:r>
+          </a:p>
+          <a:p>
+            <a:pPr marL="457200" lvl="1" indent="0">
+              <a:lnSpc>
+                <a:spcPct val="150000"/>
+              </a:lnSpc>
+              <a:buFontTx/>
+              <a:buNone/>
+            </a:pPr>
+            <a:r>
+              <a:rPr lang="en-US" altLang="en-US" sz="1400" dirty="0"/>
+              <a:t>In a typical setup the odom frame is computed based on an odometry source, such as wheel odometry, visual odometry or an inertial measurement unit.</a:t>
+            </a:r>
+          </a:p>
+          <a:p>
+            <a:endParaRPr lang="en-GB" dirty="0"/>
+          </a:p>
+        </p:txBody>
+      </p:sp>
+      <p:sp>
+        <p:nvSpPr>
+          <p:cNvPr id="4" name="Title 3">
+            <a:extLst>
+              <a:ext uri="{FF2B5EF4-FFF2-40B4-BE49-F238E27FC236}">
+                <a16:creationId xmlns:a16="http://schemas.microsoft.com/office/drawing/2014/main" id="{FB16D1FC-8C4A-8D60-5924-ECD039EEADC9}"/>
+              </a:ext>
+            </a:extLst>
+          </p:cNvPr>
+          <p:cNvSpPr>
+            <a:spLocks noGrp="1"/>
+          </p:cNvSpPr>
+          <p:nvPr>
+            <p:ph type="title"/>
+          </p:nvPr>
+        </p:nvSpPr>
+        <p:spPr/>
+        <p:txBody>
+          <a:bodyPr/>
+          <a:lstStyle/>
+          <a:p>
+            <a:r>
+              <a:rPr lang="en-GB" dirty="0"/>
+              <a:t>Coordinate frames mobile platforms</a:t>
+            </a:r>
+          </a:p>
+        </p:txBody>
+      </p:sp>
+      <p:sp>
+        <p:nvSpPr>
+          <p:cNvPr id="5" name="Rectangle 1">
+            <a:extLst>
+              <a:ext uri="{FF2B5EF4-FFF2-40B4-BE49-F238E27FC236}">
+                <a16:creationId xmlns:a16="http://schemas.microsoft.com/office/drawing/2014/main" id="{8F90EC82-1683-FE48-A93B-CA06683F8596}"/>
+              </a:ext>
+            </a:extLst>
+          </p:cNvPr>
+          <p:cNvSpPr>
+            <a:spLocks noGrp="1" noChangeArrowheads="1"/>
+          </p:cNvSpPr>
+          <p:nvPr>
+            <p:ph sz="half" idx="1"/>
+          </p:nvPr>
+        </p:nvSpPr>
+        <p:spPr bwMode="auto">
+          <a:xfrm>
+            <a:off x="375343" y="1825625"/>
+            <a:ext cx="5384251" cy="4355038"/>
+          </a:xfrm>
+          <a:prstGeom prst="rect">
+            <a:avLst/>
+          </a:prstGeom>
+          <a:solidFill>
+            <a:srgbClr val="FFFFFF"/>
+          </a:solidFill>
+          <a:ln>
+            <a:noFill/>
+          </a:ln>
+          <a:effectLst/>
+          <a:extLst>
+            <a:ext uri="{91240B29-F687-4F45-9708-019B960494DF}">
+              <a14:hiddenLine xmlns:a14="http://schemas.microsoft.com/office/drawing/2010/main" w="9525">
+                <a:solidFill>
+                  <a:schemeClr val="tx1"/>
+                </a:solidFill>
+                <a:miter lim="800000"/>
+                <a:headEnd/>
+                <a:tailEnd/>
+              </a14:hiddenLine>
+            </a:ext>
+            <a:ext uri="{AF507438-7753-43E0-B8FC-AC1667EBCBE1}">
+              <a14:hiddenEffects xmlns:a14="http://schemas.microsoft.com/office/drawing/2010/main">
+                <a:effectLst>
+                  <a:outerShdw dist="35921" dir="2700000" algn="ctr" rotWithShape="0">
+                    <a:schemeClr val="bg2"/>
+                  </a:outerShdw>
+                </a:effectLst>
+              </a14:hiddenEffects>
+            </a:ext>
+          </a:extLst>
+        </p:spPr>
+        <p:txBody>
+          <a:bodyPr vert="horz" wrap="square" lIns="91440" tIns="45720" rIns="91440" bIns="45720" numCol="1" anchor="ctr" anchorCtr="0" compatLnSpc="1">
+            <a:prstTxWarp prst="textNoShape">
+              <a:avLst/>
+            </a:prstTxWarp>
+            <a:spAutoFit/>
+          </a:bodyPr>
+          <a:lstStyle>
+            <a:lvl1pPr eaLnBrk="0" fontAlgn="base" hangingPunct="0">
+              <a:spcBef>
+                <a:spcPct val="0"/>
+              </a:spcBef>
+              <a:spcAft>
+                <a:spcPct val="0"/>
+              </a:spcAft>
+              <a:defRPr>
+                <a:solidFill>
+                  <a:schemeClr val="tx1"/>
+                </a:solidFill>
+                <a:latin typeface="Arial" panose="020B0604020202020204" pitchFamily="34" charset="0"/>
+              </a:defRPr>
+            </a:lvl1pPr>
+            <a:lvl2pPr eaLnBrk="0" fontAlgn="base" hangingPunct="0">
+              <a:spcBef>
+                <a:spcPct val="0"/>
+              </a:spcBef>
+              <a:spcAft>
+                <a:spcPct val="0"/>
+              </a:spcAft>
+              <a:defRPr>
+                <a:solidFill>
+                  <a:schemeClr val="tx1"/>
+                </a:solidFill>
+                <a:latin typeface="Arial" panose="020B0604020202020204" pitchFamily="34" charset="0"/>
+              </a:defRPr>
+            </a:lvl2pPr>
+            <a:lvl3pPr eaLnBrk="0" fontAlgn="base" hangingPunct="0">
+              <a:spcBef>
+                <a:spcPct val="0"/>
+              </a:spcBef>
+              <a:spcAft>
+                <a:spcPct val="0"/>
+              </a:spcAft>
+              <a:defRPr>
+                <a:solidFill>
+                  <a:schemeClr val="tx1"/>
+                </a:solidFill>
+                <a:latin typeface="Arial" panose="020B0604020202020204" pitchFamily="34" charset="0"/>
+              </a:defRPr>
+            </a:lvl3pPr>
+            <a:lvl4pPr eaLnBrk="0" fontAlgn="base" hangingPunct="0">
+              <a:spcBef>
+                <a:spcPct val="0"/>
+              </a:spcBef>
+              <a:spcAft>
+                <a:spcPct val="0"/>
+              </a:spcAft>
+              <a:defRPr>
+                <a:solidFill>
+                  <a:schemeClr val="tx1"/>
+                </a:solidFill>
+                <a:latin typeface="Arial" panose="020B0604020202020204" pitchFamily="34" charset="0"/>
+              </a:defRPr>
+            </a:lvl4pPr>
+            <a:lvl5pPr eaLnBrk="0" fontAlgn="base" hangingPunct="0">
+              <a:spcBef>
+                <a:spcPct val="0"/>
+              </a:spcBef>
+              <a:spcAft>
+                <a:spcPct val="0"/>
+              </a:spcAft>
+              <a:defRPr>
+                <a:solidFill>
+                  <a:schemeClr val="tx1"/>
+                </a:solidFill>
+                <a:latin typeface="Arial" panose="020B0604020202020204" pitchFamily="34" charset="0"/>
+              </a:defRPr>
+            </a:lvl5pPr>
+            <a:lvl6pPr eaLnBrk="0" fontAlgn="base" hangingPunct="0">
+              <a:spcBef>
+                <a:spcPct val="0"/>
+              </a:spcBef>
+              <a:spcAft>
+                <a:spcPct val="0"/>
+              </a:spcAft>
+              <a:defRPr>
+                <a:solidFill>
+                  <a:schemeClr val="tx1"/>
+                </a:solidFill>
+                <a:latin typeface="Arial" panose="020B0604020202020204" pitchFamily="34" charset="0"/>
+              </a:defRPr>
+            </a:lvl6pPr>
+            <a:lvl7pPr eaLnBrk="0" fontAlgn="base" hangingPunct="0">
+              <a:spcBef>
+                <a:spcPct val="0"/>
+              </a:spcBef>
+              <a:spcAft>
+                <a:spcPct val="0"/>
+              </a:spcAft>
+              <a:defRPr>
+                <a:solidFill>
+                  <a:schemeClr val="tx1"/>
+                </a:solidFill>
+                <a:latin typeface="Arial" panose="020B0604020202020204" pitchFamily="34" charset="0"/>
+              </a:defRPr>
+            </a:lvl7pPr>
+            <a:lvl8pPr eaLnBrk="0" fontAlgn="base" hangingPunct="0">
+              <a:spcBef>
+                <a:spcPct val="0"/>
+              </a:spcBef>
+              <a:spcAft>
+                <a:spcPct val="0"/>
+              </a:spcAft>
+              <a:defRPr>
+                <a:solidFill>
+                  <a:schemeClr val="tx1"/>
+                </a:solidFill>
+                <a:latin typeface="Arial" panose="020B0604020202020204" pitchFamily="34" charset="0"/>
+              </a:defRPr>
+            </a:lvl8pPr>
+            <a:lvl9pPr eaLnBrk="0" fontAlgn="base" hangingPunct="0">
+              <a:spcBef>
+                <a:spcPct val="0"/>
+              </a:spcBef>
+              <a:spcAft>
+                <a:spcPct val="0"/>
+              </a:spcAft>
+              <a:defRPr>
+                <a:solidFill>
+                  <a:schemeClr val="tx1"/>
+                </a:solidFill>
+                <a:latin typeface="Arial" panose="020B0604020202020204" pitchFamily="34" charset="0"/>
+              </a:defRPr>
+            </a:lvl9pPr>
+          </a:lstStyle>
+          <a:p>
+            <a:pPr marL="0" marR="0" lvl="0" indent="0" algn="l" defTabSz="914400" rtl="0" eaLnBrk="0" fontAlgn="base" latinLnBrk="0" hangingPunct="0">
+              <a:lnSpc>
+                <a:spcPct val="100000"/>
+              </a:lnSpc>
+              <a:spcBef>
+                <a:spcPct val="0"/>
+              </a:spcBef>
+              <a:spcAft>
+                <a:spcPct val="0"/>
+              </a:spcAft>
+              <a:buClrTx/>
+              <a:buSzTx/>
+              <a:buFontTx/>
+              <a:buNone/>
+              <a:tabLst/>
+            </a:pPr>
+            <a:r>
+              <a:rPr lang="en-US" altLang="en-US" sz="1400" dirty="0">
+                <a:solidFill>
+                  <a:schemeClr val="bg2">
+                    <a:lumMod val="50000"/>
+                  </a:schemeClr>
+                </a:solidFill>
+                <a:latin typeface="Nexa-Bold" panose="01000000000000000000" pitchFamily="2" charset="0"/>
+              </a:rPr>
+              <a:t>Coordinate Frames</a:t>
+            </a:r>
+          </a:p>
+          <a:p>
+            <a:pPr marL="0" marR="0" lvl="0" indent="0" algn="l" defTabSz="914400" rtl="0" eaLnBrk="0" fontAlgn="base" latinLnBrk="0" hangingPunct="0">
+              <a:lnSpc>
+                <a:spcPct val="100000"/>
+              </a:lnSpc>
+              <a:spcBef>
+                <a:spcPct val="0"/>
+              </a:spcBef>
+              <a:spcAft>
+                <a:spcPct val="0"/>
+              </a:spcAft>
+              <a:buClrTx/>
+              <a:buSzTx/>
+              <a:buFontTx/>
+              <a:buNone/>
+              <a:tabLst/>
+            </a:pPr>
+            <a:endParaRPr lang="en-US" altLang="en-US" sz="1400" dirty="0">
+              <a:solidFill>
+                <a:schemeClr val="bg2">
+                  <a:lumMod val="50000"/>
+                </a:schemeClr>
+              </a:solidFill>
+              <a:latin typeface="Nexa-Bold" panose="01000000000000000000" pitchFamily="2" charset="0"/>
+            </a:endParaRPr>
+          </a:p>
+          <a:p>
+            <a:pPr marL="0" marR="0" lvl="0" indent="0" algn="l" defTabSz="914400" rtl="0" eaLnBrk="0" fontAlgn="base" latinLnBrk="0" hangingPunct="0">
+              <a:lnSpc>
+                <a:spcPct val="100000"/>
+              </a:lnSpc>
+              <a:spcBef>
+                <a:spcPct val="0"/>
+              </a:spcBef>
+              <a:spcAft>
+                <a:spcPct val="0"/>
+              </a:spcAft>
+              <a:buClrTx/>
+              <a:buSzTx/>
+              <a:buFontTx/>
+              <a:buNone/>
+              <a:tabLst/>
+            </a:pPr>
+            <a:r>
+              <a:rPr lang="en-US" altLang="en-US" sz="1600" dirty="0" err="1">
+                <a:solidFill>
+                  <a:schemeClr val="bg2">
+                    <a:lumMod val="50000"/>
+                  </a:schemeClr>
+                </a:solidFill>
+                <a:latin typeface="Nexa-Bold" panose="01000000000000000000" pitchFamily="2" charset="0"/>
+              </a:rPr>
+              <a:t>base_link</a:t>
+            </a:r>
+            <a:endParaRPr lang="en-US" altLang="en-US" sz="1600" dirty="0">
+              <a:solidFill>
+                <a:schemeClr val="bg2">
+                  <a:lumMod val="50000"/>
+                </a:schemeClr>
+              </a:solidFill>
+              <a:latin typeface="Nexa-Bold" panose="01000000000000000000" pitchFamily="2" charset="0"/>
+            </a:endParaRPr>
+          </a:p>
+          <a:p>
+            <a:pPr marL="457200" lvl="1" indent="0">
+              <a:lnSpc>
+                <a:spcPct val="150000"/>
+              </a:lnSpc>
+              <a:buFontTx/>
+              <a:buNone/>
+            </a:pPr>
+            <a:r>
+              <a:rPr lang="en-US" altLang="en-US" sz="1400" dirty="0">
+                <a:solidFill>
+                  <a:schemeClr val="bg2">
+                    <a:lumMod val="50000"/>
+                  </a:schemeClr>
+                </a:solidFill>
+                <a:latin typeface="Nexa-Light" panose="01000000000000000000" pitchFamily="2" charset="0"/>
+              </a:rPr>
+              <a:t>The coordinate frame called </a:t>
+            </a:r>
+            <a:r>
+              <a:rPr lang="en-US" altLang="en-US" sz="1400" dirty="0" err="1">
+                <a:solidFill>
+                  <a:schemeClr val="bg2">
+                    <a:lumMod val="50000"/>
+                  </a:schemeClr>
+                </a:solidFill>
+                <a:latin typeface="Nexa-Light" panose="01000000000000000000" pitchFamily="2" charset="0"/>
+              </a:rPr>
+              <a:t>base_link</a:t>
+            </a:r>
+            <a:r>
+              <a:rPr lang="en-US" altLang="en-US" sz="1400" dirty="0">
+                <a:solidFill>
+                  <a:schemeClr val="bg2">
+                    <a:lumMod val="50000"/>
+                  </a:schemeClr>
+                </a:solidFill>
+                <a:latin typeface="Nexa-Light" panose="01000000000000000000" pitchFamily="2" charset="0"/>
+              </a:rPr>
+              <a:t> is rigidly attached to the mobile robot base. </a:t>
+            </a:r>
+          </a:p>
+          <a:p>
+            <a:pPr marL="0" indent="0">
+              <a:lnSpc>
+                <a:spcPct val="100000"/>
+              </a:lnSpc>
+              <a:buNone/>
+            </a:pPr>
+            <a:endParaRPr lang="en-US" altLang="en-US" sz="1400" dirty="0">
+              <a:solidFill>
+                <a:schemeClr val="bg2">
+                  <a:lumMod val="50000"/>
+                </a:schemeClr>
+              </a:solidFill>
+              <a:latin typeface="Nexa-Bold" panose="01000000000000000000" pitchFamily="2" charset="0"/>
+            </a:endParaRPr>
+          </a:p>
+          <a:p>
+            <a:pPr marL="0" indent="0">
+              <a:lnSpc>
+                <a:spcPct val="100000"/>
+              </a:lnSpc>
+              <a:buNone/>
+            </a:pPr>
+            <a:r>
+              <a:rPr lang="en-US" altLang="en-US" sz="1600" dirty="0">
+                <a:solidFill>
+                  <a:schemeClr val="bg2">
+                    <a:lumMod val="50000"/>
+                  </a:schemeClr>
+                </a:solidFill>
+                <a:latin typeface="Nexa-Bold" panose="01000000000000000000" pitchFamily="2" charset="0"/>
+              </a:rPr>
+              <a:t>odom</a:t>
+            </a:r>
+          </a:p>
+          <a:p>
+            <a:pPr marL="457200" lvl="1" indent="0">
+              <a:lnSpc>
+                <a:spcPct val="150000"/>
+              </a:lnSpc>
+              <a:buFontTx/>
+              <a:buNone/>
+            </a:pPr>
+            <a:r>
+              <a:rPr lang="en-US" altLang="en-US" sz="1400" dirty="0">
+                <a:solidFill>
+                  <a:schemeClr val="bg2">
+                    <a:lumMod val="50000"/>
+                  </a:schemeClr>
+                </a:solidFill>
+                <a:latin typeface="Nexa-Light" panose="01000000000000000000" pitchFamily="2" charset="0"/>
+              </a:rPr>
+              <a:t>The coordinate frame called odom is a world-fixed frame. </a:t>
+            </a:r>
+          </a:p>
+          <a:p>
+            <a:pPr marL="457200" lvl="1" indent="0">
+              <a:lnSpc>
+                <a:spcPct val="150000"/>
+              </a:lnSpc>
+              <a:buFontTx/>
+              <a:buNone/>
+            </a:pPr>
+            <a:endParaRPr lang="en-US" altLang="en-US" sz="1400" dirty="0">
+              <a:solidFill>
+                <a:schemeClr val="bg2">
+                  <a:lumMod val="50000"/>
+                </a:schemeClr>
+              </a:solidFill>
+              <a:latin typeface="Nexa-Light" panose="01000000000000000000" pitchFamily="2" charset="0"/>
+            </a:endParaRPr>
+          </a:p>
+          <a:p>
+            <a:pPr marL="457200" lvl="1" indent="0">
+              <a:lnSpc>
+                <a:spcPct val="150000"/>
+              </a:lnSpc>
+              <a:buFontTx/>
+              <a:buNone/>
+            </a:pPr>
+            <a:r>
+              <a:rPr lang="en-US" altLang="en-US" sz="1400" dirty="0">
+                <a:solidFill>
+                  <a:schemeClr val="bg2">
+                    <a:lumMod val="50000"/>
+                  </a:schemeClr>
+                </a:solidFill>
+                <a:latin typeface="Nexa-Light" panose="01000000000000000000" pitchFamily="2" charset="0"/>
+              </a:rPr>
+              <a:t>The pose of a mobile platform in the odom frame can drift over time, without any bounds. </a:t>
+            </a:r>
+          </a:p>
+          <a:p>
+            <a:pPr marL="457200" lvl="1" indent="0">
+              <a:lnSpc>
+                <a:spcPct val="150000"/>
+              </a:lnSpc>
+              <a:buFontTx/>
+              <a:buNone/>
+            </a:pPr>
+            <a:r>
+              <a:rPr lang="en-US" altLang="en-US" sz="1400" dirty="0">
+                <a:solidFill>
+                  <a:schemeClr val="bg2">
+                    <a:lumMod val="50000"/>
+                  </a:schemeClr>
+                </a:solidFill>
+                <a:latin typeface="Nexa-Light" panose="01000000000000000000" pitchFamily="2" charset="0"/>
+              </a:rPr>
+              <a:t>This drift makes the odom frame useless as a long-term global reference. </a:t>
+            </a:r>
+          </a:p>
+          <a:p>
+            <a:pPr marL="0" marR="0" lvl="0" indent="0" algn="l" defTabSz="914400" rtl="0" eaLnBrk="0" fontAlgn="base" latinLnBrk="0" hangingPunct="0">
+              <a:lnSpc>
+                <a:spcPct val="100000"/>
+              </a:lnSpc>
+              <a:spcBef>
+                <a:spcPct val="0"/>
+              </a:spcBef>
+              <a:spcAft>
+                <a:spcPct val="0"/>
+              </a:spcAft>
+              <a:buClrTx/>
+              <a:buSzTx/>
+              <a:buFontTx/>
+              <a:buNone/>
+              <a:tabLst/>
+            </a:pPr>
+            <a:endParaRPr lang="en-US" altLang="en-US" sz="1400" dirty="0">
+              <a:solidFill>
+                <a:schemeClr val="bg2">
+                  <a:lumMod val="50000"/>
+                </a:schemeClr>
+              </a:solidFill>
+              <a:latin typeface="Nexa-Light" panose="01000000000000000000" pitchFamily="2" charset="0"/>
+            </a:endParaRPr>
+          </a:p>
+        </p:txBody>
+      </p:sp>
+    </p:spTree>
+    <p:extLst>
+      <p:ext uri="{BB962C8B-B14F-4D97-AF65-F5344CB8AC3E}">
+        <p14:creationId xmlns:p14="http://schemas.microsoft.com/office/powerpoint/2010/main" val="2437178365"/>
+      </p:ext>
+    </p:extLst>
+  </p:cSld>
+  <p:clrMapOvr>
+    <a:masterClrMapping/>
+  </p:clrMapOvr>
+</p:sld>
+</file>
+
+<file path=ppt/slides/slide29.xml><?xml version="1.0" encoding="utf-8"?>
+<p:sld xmlns:a="http://schemas.openxmlformats.org/drawingml/2006/main" xmlns:r="http://schemas.openxmlformats.org/officeDocument/2006/relationships" xmlns:p="http://schemas.openxmlformats.org/presentationml/2006/main">
+  <p:cSld>
+    <p:spTree>
+      <p:nvGrpSpPr>
+        <p:cNvPr id="1" name=""/>
+        <p:cNvGrpSpPr/>
+        <p:nvPr/>
+      </p:nvGrpSpPr>
+      <p:grpSpPr>
+        <a:xfrm>
+          <a:off x="0" y="0"/>
+          <a:ext cx="0" cy="0"/>
+          <a:chOff x="0" y="0"/>
+          <a:chExt cx="0" cy="0"/>
+        </a:xfrm>
+      </p:grpSpPr>
+      <p:sp>
+        <p:nvSpPr>
+          <p:cNvPr id="3" name="Content Placeholder 2">
+            <a:extLst>
+              <a:ext uri="{FF2B5EF4-FFF2-40B4-BE49-F238E27FC236}">
+                <a16:creationId xmlns:a16="http://schemas.microsoft.com/office/drawing/2014/main" id="{97AB36C7-74FF-40AF-8A9B-1E3E19D8DF92}"/>
+              </a:ext>
+            </a:extLst>
+          </p:cNvPr>
+          <p:cNvSpPr>
+            <a:spLocks noGrp="1"/>
+          </p:cNvSpPr>
+          <p:nvPr>
+            <p:ph sz="half" idx="2"/>
+          </p:nvPr>
+        </p:nvSpPr>
+        <p:spPr/>
+        <p:txBody>
+          <a:bodyPr>
+            <a:normAutofit/>
+          </a:bodyPr>
+          <a:lstStyle/>
+          <a:p>
+            <a:pPr marL="0" marR="0" lvl="0" indent="0" algn="l" defTabSz="914400" rtl="0" eaLnBrk="0" fontAlgn="base" latinLnBrk="0" hangingPunct="0">
+              <a:lnSpc>
+                <a:spcPct val="150000"/>
+              </a:lnSpc>
+              <a:spcBef>
+                <a:spcPct val="0"/>
+              </a:spcBef>
+              <a:spcAft>
+                <a:spcPct val="0"/>
+              </a:spcAft>
+              <a:buClrTx/>
+              <a:buSzTx/>
+              <a:buFontTx/>
+              <a:buNone/>
+              <a:tabLst/>
+            </a:pPr>
+            <a:r>
+              <a:rPr lang="en-US" altLang="en-US" sz="1400" dirty="0">
+                <a:solidFill>
+                  <a:schemeClr val="bg2">
+                    <a:lumMod val="50000"/>
+                  </a:schemeClr>
+                </a:solidFill>
+                <a:latin typeface="Nexa-Light" panose="01000000000000000000" pitchFamily="2" charset="0"/>
+              </a:rPr>
+              <a:t>In a typical setup, a localization component constantly re-computes the robot pose in the map frame based on sensor observations, therefore eliminating drift, but causing discrete jumps when new sensor information arrives.</a:t>
+            </a:r>
+          </a:p>
+          <a:p>
+            <a:pPr marL="0" marR="0" lvl="0" indent="0" algn="l" defTabSz="914400" rtl="0" eaLnBrk="0" fontAlgn="base" latinLnBrk="0" hangingPunct="0">
+              <a:lnSpc>
+                <a:spcPct val="150000"/>
+              </a:lnSpc>
+              <a:spcBef>
+                <a:spcPct val="0"/>
+              </a:spcBef>
+              <a:spcAft>
+                <a:spcPct val="0"/>
+              </a:spcAft>
+              <a:buClrTx/>
+              <a:buSzTx/>
+              <a:buFontTx/>
+              <a:buNone/>
+              <a:tabLst/>
+            </a:pPr>
+            <a:r>
+              <a:rPr lang="en-US" altLang="en-US" sz="1400" dirty="0">
+                <a:solidFill>
+                  <a:schemeClr val="bg2">
+                    <a:lumMod val="50000"/>
+                  </a:schemeClr>
+                </a:solidFill>
+                <a:latin typeface="Nexa-Light" panose="01000000000000000000" pitchFamily="2" charset="0"/>
+              </a:rPr>
+              <a:t>The map frame is useful as a long-term global reference, but discrete jumps in position estimators make it a poor reference frame for local sensing and acting.</a:t>
+            </a:r>
+          </a:p>
+          <a:p>
+            <a:endParaRPr lang="en-GB" dirty="0"/>
+          </a:p>
+        </p:txBody>
+      </p:sp>
+      <p:sp>
+        <p:nvSpPr>
+          <p:cNvPr id="4" name="Title 3">
+            <a:extLst>
+              <a:ext uri="{FF2B5EF4-FFF2-40B4-BE49-F238E27FC236}">
+                <a16:creationId xmlns:a16="http://schemas.microsoft.com/office/drawing/2014/main" id="{FB16D1FC-8C4A-8D60-5924-ECD039EEADC9}"/>
+              </a:ext>
+            </a:extLst>
+          </p:cNvPr>
+          <p:cNvSpPr>
+            <a:spLocks noGrp="1"/>
+          </p:cNvSpPr>
+          <p:nvPr>
+            <p:ph type="title"/>
+          </p:nvPr>
+        </p:nvSpPr>
+        <p:spPr/>
+        <p:txBody>
+          <a:bodyPr/>
+          <a:lstStyle/>
+          <a:p>
+            <a:r>
+              <a:rPr lang="en-GB" dirty="0"/>
+              <a:t>Coordinate frames mobile platforms</a:t>
+            </a:r>
+          </a:p>
+        </p:txBody>
+      </p:sp>
+      <p:sp>
+        <p:nvSpPr>
+          <p:cNvPr id="5" name="Rectangle 1">
+            <a:extLst>
+              <a:ext uri="{FF2B5EF4-FFF2-40B4-BE49-F238E27FC236}">
+                <a16:creationId xmlns:a16="http://schemas.microsoft.com/office/drawing/2014/main" id="{8F90EC82-1683-FE48-A93B-CA06683F8596}"/>
+              </a:ext>
+            </a:extLst>
+          </p:cNvPr>
+          <p:cNvSpPr>
+            <a:spLocks noGrp="1" noChangeArrowheads="1"/>
+          </p:cNvSpPr>
+          <p:nvPr>
+            <p:ph sz="half" idx="1"/>
+          </p:nvPr>
+        </p:nvSpPr>
+        <p:spPr bwMode="auto">
+          <a:xfrm>
+            <a:off x="352483" y="1456223"/>
+            <a:ext cx="5384251" cy="4724370"/>
+          </a:xfrm>
+          <a:prstGeom prst="rect">
+            <a:avLst/>
+          </a:prstGeom>
+          <a:solidFill>
+            <a:srgbClr val="FFFFFF"/>
+          </a:solidFill>
+          <a:ln>
+            <a:noFill/>
+          </a:ln>
+          <a:effectLst/>
+          <a:extLst>
+            <a:ext uri="{91240B29-F687-4F45-9708-019B960494DF}">
+              <a14:hiddenLine xmlns:a14="http://schemas.microsoft.com/office/drawing/2010/main" w="9525">
+                <a:solidFill>
+                  <a:schemeClr val="tx1"/>
+                </a:solidFill>
+                <a:miter lim="800000"/>
+                <a:headEnd/>
+                <a:tailEnd/>
+              </a14:hiddenLine>
+            </a:ext>
+            <a:ext uri="{AF507438-7753-43E0-B8FC-AC1667EBCBE1}">
+              <a14:hiddenEffects xmlns:a14="http://schemas.microsoft.com/office/drawing/2010/main">
+                <a:effectLst>
+                  <a:outerShdw dist="35921" dir="2700000" algn="ctr" rotWithShape="0">
+                    <a:schemeClr val="bg2"/>
+                  </a:outerShdw>
+                </a:effectLst>
+              </a14:hiddenEffects>
+            </a:ext>
+          </a:extLst>
+        </p:spPr>
+        <p:txBody>
+          <a:bodyPr vert="horz" wrap="square" lIns="91440" tIns="45720" rIns="91440" bIns="45720" numCol="1" anchor="ctr" anchorCtr="0" compatLnSpc="1">
+            <a:prstTxWarp prst="textNoShape">
+              <a:avLst/>
+            </a:prstTxWarp>
+            <a:spAutoFit/>
+          </a:bodyPr>
+          <a:lstStyle>
+            <a:lvl1pPr eaLnBrk="0" fontAlgn="base" hangingPunct="0">
+              <a:spcBef>
+                <a:spcPct val="0"/>
+              </a:spcBef>
+              <a:spcAft>
+                <a:spcPct val="0"/>
+              </a:spcAft>
+              <a:defRPr>
+                <a:solidFill>
+                  <a:schemeClr val="tx1"/>
+                </a:solidFill>
+                <a:latin typeface="Arial" panose="020B0604020202020204" pitchFamily="34" charset="0"/>
+              </a:defRPr>
+            </a:lvl1pPr>
+            <a:lvl2pPr eaLnBrk="0" fontAlgn="base" hangingPunct="0">
+              <a:spcBef>
+                <a:spcPct val="0"/>
+              </a:spcBef>
+              <a:spcAft>
+                <a:spcPct val="0"/>
+              </a:spcAft>
+              <a:defRPr>
+                <a:solidFill>
+                  <a:schemeClr val="tx1"/>
+                </a:solidFill>
+                <a:latin typeface="Arial" panose="020B0604020202020204" pitchFamily="34" charset="0"/>
+              </a:defRPr>
+            </a:lvl2pPr>
+            <a:lvl3pPr eaLnBrk="0" fontAlgn="base" hangingPunct="0">
+              <a:spcBef>
+                <a:spcPct val="0"/>
+              </a:spcBef>
+              <a:spcAft>
+                <a:spcPct val="0"/>
+              </a:spcAft>
+              <a:defRPr>
+                <a:solidFill>
+                  <a:schemeClr val="tx1"/>
+                </a:solidFill>
+                <a:latin typeface="Arial" panose="020B0604020202020204" pitchFamily="34" charset="0"/>
+              </a:defRPr>
+            </a:lvl3pPr>
+            <a:lvl4pPr eaLnBrk="0" fontAlgn="base" hangingPunct="0">
+              <a:spcBef>
+                <a:spcPct val="0"/>
+              </a:spcBef>
+              <a:spcAft>
+                <a:spcPct val="0"/>
+              </a:spcAft>
+              <a:defRPr>
+                <a:solidFill>
+                  <a:schemeClr val="tx1"/>
+                </a:solidFill>
+                <a:latin typeface="Arial" panose="020B0604020202020204" pitchFamily="34" charset="0"/>
+              </a:defRPr>
+            </a:lvl4pPr>
+            <a:lvl5pPr eaLnBrk="0" fontAlgn="base" hangingPunct="0">
+              <a:spcBef>
+                <a:spcPct val="0"/>
+              </a:spcBef>
+              <a:spcAft>
+                <a:spcPct val="0"/>
+              </a:spcAft>
+              <a:defRPr>
+                <a:solidFill>
+                  <a:schemeClr val="tx1"/>
+                </a:solidFill>
+                <a:latin typeface="Arial" panose="020B0604020202020204" pitchFamily="34" charset="0"/>
+              </a:defRPr>
+            </a:lvl5pPr>
+            <a:lvl6pPr eaLnBrk="0" fontAlgn="base" hangingPunct="0">
+              <a:spcBef>
+                <a:spcPct val="0"/>
+              </a:spcBef>
+              <a:spcAft>
+                <a:spcPct val="0"/>
+              </a:spcAft>
+              <a:defRPr>
+                <a:solidFill>
+                  <a:schemeClr val="tx1"/>
+                </a:solidFill>
+                <a:latin typeface="Arial" panose="020B0604020202020204" pitchFamily="34" charset="0"/>
+              </a:defRPr>
+            </a:lvl6pPr>
+            <a:lvl7pPr eaLnBrk="0" fontAlgn="base" hangingPunct="0">
+              <a:spcBef>
+                <a:spcPct val="0"/>
+              </a:spcBef>
+              <a:spcAft>
+                <a:spcPct val="0"/>
+              </a:spcAft>
+              <a:defRPr>
+                <a:solidFill>
+                  <a:schemeClr val="tx1"/>
+                </a:solidFill>
+                <a:latin typeface="Arial" panose="020B0604020202020204" pitchFamily="34" charset="0"/>
+              </a:defRPr>
+            </a:lvl7pPr>
+            <a:lvl8pPr eaLnBrk="0" fontAlgn="base" hangingPunct="0">
+              <a:spcBef>
+                <a:spcPct val="0"/>
+              </a:spcBef>
+              <a:spcAft>
+                <a:spcPct val="0"/>
+              </a:spcAft>
+              <a:defRPr>
+                <a:solidFill>
+                  <a:schemeClr val="tx1"/>
+                </a:solidFill>
+                <a:latin typeface="Arial" panose="020B0604020202020204" pitchFamily="34" charset="0"/>
+              </a:defRPr>
+            </a:lvl8pPr>
+            <a:lvl9pPr eaLnBrk="0" fontAlgn="base" hangingPunct="0">
+              <a:spcBef>
+                <a:spcPct val="0"/>
+              </a:spcBef>
+              <a:spcAft>
+                <a:spcPct val="0"/>
+              </a:spcAft>
+              <a:defRPr>
+                <a:solidFill>
+                  <a:schemeClr val="tx1"/>
+                </a:solidFill>
+                <a:latin typeface="Arial" panose="020B0604020202020204" pitchFamily="34" charset="0"/>
+              </a:defRPr>
+            </a:lvl9pPr>
+          </a:lstStyle>
+          <a:p>
+            <a:pPr marL="0" marR="0" lvl="0" indent="0" algn="l" defTabSz="914400" rtl="0" eaLnBrk="0" fontAlgn="base" latinLnBrk="0" hangingPunct="0">
+              <a:lnSpc>
+                <a:spcPct val="100000"/>
+              </a:lnSpc>
+              <a:spcBef>
+                <a:spcPct val="0"/>
+              </a:spcBef>
+              <a:spcAft>
+                <a:spcPct val="0"/>
+              </a:spcAft>
+              <a:buClrTx/>
+              <a:buSzTx/>
+              <a:buFontTx/>
+              <a:buNone/>
+              <a:tabLst/>
+            </a:pPr>
+            <a:endParaRPr lang="en-US" altLang="en-US" sz="1400" dirty="0">
+              <a:solidFill>
+                <a:schemeClr val="bg2">
+                  <a:lumMod val="50000"/>
+                </a:schemeClr>
+              </a:solidFill>
+              <a:latin typeface="Nexa-Bold" panose="01000000000000000000" pitchFamily="2" charset="0"/>
+            </a:endParaRPr>
+          </a:p>
+          <a:p>
+            <a:pPr marL="0" indent="0">
+              <a:lnSpc>
+                <a:spcPct val="100000"/>
+              </a:lnSpc>
+              <a:buNone/>
+            </a:pPr>
+            <a:r>
+              <a:rPr lang="en-US" altLang="en-US" sz="1400" dirty="0">
+                <a:solidFill>
+                  <a:schemeClr val="bg2">
+                    <a:lumMod val="50000"/>
+                  </a:schemeClr>
+                </a:solidFill>
+                <a:latin typeface="Nexa-Bold" panose="01000000000000000000" pitchFamily="2" charset="0"/>
+              </a:rPr>
+              <a:t>map</a:t>
+            </a:r>
+          </a:p>
+          <a:p>
+            <a:pPr marL="0" marR="0" lvl="0" indent="0" algn="l" defTabSz="914400" rtl="0" eaLnBrk="0" fontAlgn="base" latinLnBrk="0" hangingPunct="0">
+              <a:lnSpc>
+                <a:spcPct val="100000"/>
+              </a:lnSpc>
+              <a:spcBef>
+                <a:spcPct val="0"/>
+              </a:spcBef>
+              <a:spcAft>
+                <a:spcPct val="0"/>
+              </a:spcAft>
+              <a:buClrTx/>
+              <a:buSzTx/>
+              <a:buFontTx/>
+              <a:buNone/>
+              <a:tabLst/>
+            </a:pPr>
+            <a:endParaRPr lang="en-US" altLang="en-US" sz="1400" dirty="0">
+              <a:solidFill>
+                <a:schemeClr val="bg2">
+                  <a:lumMod val="50000"/>
+                </a:schemeClr>
+              </a:solidFill>
+              <a:latin typeface="Nexa-Light" panose="01000000000000000000" pitchFamily="2" charset="0"/>
+            </a:endParaRPr>
+          </a:p>
+          <a:p>
+            <a:pPr marL="0" marR="0" lvl="0" indent="0" algn="l" defTabSz="914400" rtl="0" eaLnBrk="0" fontAlgn="base" latinLnBrk="0" hangingPunct="0">
+              <a:lnSpc>
+                <a:spcPct val="150000"/>
+              </a:lnSpc>
+              <a:spcBef>
+                <a:spcPct val="0"/>
+              </a:spcBef>
+              <a:spcAft>
+                <a:spcPct val="0"/>
+              </a:spcAft>
+              <a:buClrTx/>
+              <a:buSzTx/>
+              <a:buFontTx/>
+              <a:buNone/>
+              <a:tabLst/>
+            </a:pPr>
+            <a:r>
+              <a:rPr lang="en-US" altLang="en-US" sz="1400" dirty="0">
+                <a:solidFill>
+                  <a:schemeClr val="bg2">
+                    <a:lumMod val="50000"/>
+                  </a:schemeClr>
+                </a:solidFill>
+                <a:latin typeface="Nexa-Light" panose="01000000000000000000" pitchFamily="2" charset="0"/>
+              </a:rPr>
+              <a:t>The coordinate frame called map is a world fixed frame, with its Z-axis pointing upwards.</a:t>
+            </a:r>
+          </a:p>
+          <a:p>
+            <a:pPr marL="0" marR="0" lvl="0" indent="0" algn="l" defTabSz="914400" rtl="0" eaLnBrk="0" fontAlgn="base" latinLnBrk="0" hangingPunct="0">
+              <a:lnSpc>
+                <a:spcPct val="150000"/>
+              </a:lnSpc>
+              <a:spcBef>
+                <a:spcPct val="0"/>
+              </a:spcBef>
+              <a:spcAft>
+                <a:spcPct val="0"/>
+              </a:spcAft>
+              <a:buClrTx/>
+              <a:buSzTx/>
+              <a:buFontTx/>
+              <a:buNone/>
+              <a:tabLst/>
+            </a:pPr>
+            <a:endParaRPr lang="en-US" altLang="en-US" sz="1400" dirty="0">
+              <a:solidFill>
+                <a:schemeClr val="bg2">
+                  <a:lumMod val="50000"/>
+                </a:schemeClr>
+              </a:solidFill>
+              <a:latin typeface="Nexa-Light" panose="01000000000000000000" pitchFamily="2" charset="0"/>
+            </a:endParaRPr>
+          </a:p>
+          <a:p>
+            <a:pPr marL="0" indent="0">
+              <a:lnSpc>
+                <a:spcPct val="150000"/>
+              </a:lnSpc>
+              <a:buNone/>
+            </a:pPr>
+            <a:r>
+              <a:rPr lang="en-US" altLang="en-US" sz="1400" dirty="0">
+                <a:solidFill>
+                  <a:schemeClr val="bg2">
+                    <a:lumMod val="50000"/>
+                  </a:schemeClr>
+                </a:solidFill>
+                <a:latin typeface="Nexa-Light" panose="01000000000000000000" pitchFamily="2" charset="0"/>
+              </a:rPr>
+              <a:t>The pose of a mobile platform, relative to the map frame, should not significantly drift over time. The map frame is not continuous, meaning the pose of a mobile platform in the map frame can change in discrete jumps at any time.</a:t>
+            </a:r>
+          </a:p>
+          <a:p>
+            <a:pPr marL="0" indent="0">
+              <a:lnSpc>
+                <a:spcPct val="150000"/>
+              </a:lnSpc>
+              <a:buNone/>
+            </a:pPr>
+            <a:endParaRPr lang="en-US" altLang="en-US" sz="1400" dirty="0">
+              <a:solidFill>
+                <a:schemeClr val="bg2">
+                  <a:lumMod val="50000"/>
+                </a:schemeClr>
+              </a:solidFill>
+              <a:latin typeface="Nexa-Light" panose="01000000000000000000" pitchFamily="2" charset="0"/>
+            </a:endParaRPr>
+          </a:p>
+          <a:p>
+            <a:pPr marL="0" indent="0">
+              <a:lnSpc>
+                <a:spcPct val="150000"/>
+              </a:lnSpc>
+              <a:buNone/>
+            </a:pPr>
+            <a:r>
+              <a:rPr lang="en-US" altLang="en-US" sz="1400" dirty="0">
+                <a:solidFill>
+                  <a:schemeClr val="bg2">
+                    <a:lumMod val="50000"/>
+                  </a:schemeClr>
+                </a:solidFill>
+                <a:latin typeface="Nexa-Light" panose="01000000000000000000" pitchFamily="2" charset="0"/>
+              </a:rPr>
+              <a:t>The map frame is not continuous, meaning the pose of a mobile platform in the map frame can change in discrete jumps at any time.</a:t>
+            </a:r>
+          </a:p>
+          <a:p>
+            <a:pPr marL="0" indent="0">
+              <a:lnSpc>
+                <a:spcPct val="100000"/>
+              </a:lnSpc>
+              <a:buNone/>
+            </a:pPr>
+            <a:endParaRPr lang="en-US" altLang="en-US" sz="1400" dirty="0">
+              <a:solidFill>
+                <a:schemeClr val="bg2">
+                  <a:lumMod val="50000"/>
+                </a:schemeClr>
+              </a:solidFill>
+              <a:latin typeface="Nexa-Light" panose="01000000000000000000" pitchFamily="2" charset="0"/>
+            </a:endParaRPr>
+          </a:p>
+          <a:p>
+            <a:pPr marL="0" marR="0" lvl="0" indent="0" algn="l" defTabSz="914400" rtl="0" eaLnBrk="0" fontAlgn="base" latinLnBrk="0" hangingPunct="0">
+              <a:lnSpc>
+                <a:spcPct val="100000"/>
+              </a:lnSpc>
+              <a:spcBef>
+                <a:spcPct val="0"/>
+              </a:spcBef>
+              <a:spcAft>
+                <a:spcPct val="0"/>
+              </a:spcAft>
+              <a:buClrTx/>
+              <a:buSzTx/>
+              <a:buFontTx/>
+              <a:buNone/>
+              <a:tabLst/>
+            </a:pPr>
+            <a:endParaRPr lang="en-US" altLang="en-US" sz="1400" dirty="0">
+              <a:solidFill>
+                <a:schemeClr val="bg2">
+                  <a:lumMod val="50000"/>
+                </a:schemeClr>
+              </a:solidFill>
+              <a:latin typeface="Nexa-Light" panose="01000000000000000000" pitchFamily="2" charset="0"/>
+            </a:endParaRPr>
+          </a:p>
+        </p:txBody>
+      </p:sp>
+    </p:spTree>
+    <p:extLst>
+      <p:ext uri="{BB962C8B-B14F-4D97-AF65-F5344CB8AC3E}">
+        <p14:creationId xmlns:p14="http://schemas.microsoft.com/office/powerpoint/2010/main" val="1268140430"/>
+      </p:ext>
+    </p:extLst>
+  </p:cSld>
+  <p:clrMapOvr>
+    <a:masterClrMapping/>
+  </p:clrMapOvr>
+</p:sld>
+</file>
+
 <file path=ppt/slides/slide3.xml><?xml version="1.0" encoding="utf-8"?>
 <p:sld xmlns:a="http://schemas.openxmlformats.org/drawingml/2006/main" xmlns:r="http://schemas.openxmlformats.org/officeDocument/2006/relationships" xmlns:p="http://schemas.openxmlformats.org/presentationml/2006/main">
   <p:cSld>
@@ -21117,6 +23694,66 @@
     <p:extLst>
       <p:ext uri="{BB962C8B-B14F-4D97-AF65-F5344CB8AC3E}">
         <p14:creationId xmlns:p14="http://schemas.microsoft.com/office/powerpoint/2010/main" val="282429135"/>
+      </p:ext>
+    </p:extLst>
+  </p:cSld>
+  <p:clrMapOvr>
+    <a:masterClrMapping/>
+  </p:clrMapOvr>
+</p:sld>
+</file>
+
+<file path=ppt/slides/slide30.xml><?xml version="1.0" encoding="utf-8"?>
+<p:sld xmlns:a="http://schemas.openxmlformats.org/drawingml/2006/main" xmlns:r="http://schemas.openxmlformats.org/officeDocument/2006/relationships" xmlns:p="http://schemas.openxmlformats.org/presentationml/2006/main">
+  <p:cSld>
+    <p:spTree>
+      <p:nvGrpSpPr>
+        <p:cNvPr id="1" name=""/>
+        <p:cNvGrpSpPr/>
+        <p:nvPr/>
+      </p:nvGrpSpPr>
+      <p:grpSpPr>
+        <a:xfrm>
+          <a:off x="0" y="0"/>
+          <a:ext cx="0" cy="0"/>
+          <a:chOff x="0" y="0"/>
+          <a:chExt cx="0" cy="0"/>
+        </a:xfrm>
+      </p:grpSpPr>
+      <p:pic>
+        <p:nvPicPr>
+          <p:cNvPr id="2" name="Content Placeholder 4">
+            <a:extLst>
+              <a:ext uri="{FF2B5EF4-FFF2-40B4-BE49-F238E27FC236}">
+                <a16:creationId xmlns:a16="http://schemas.microsoft.com/office/drawing/2014/main" id="{685D4B4C-F5FD-56BC-2751-2C740C5782B6}"/>
+              </a:ext>
+            </a:extLst>
+          </p:cNvPr>
+          <p:cNvPicPr>
+            <a:picLocks noChangeAspect="1"/>
+          </p:cNvPicPr>
+          <p:nvPr/>
+        </p:nvPicPr>
+        <p:blipFill>
+          <a:blip r:embed="rId2"/>
+          <a:stretch>
+            <a:fillRect/>
+          </a:stretch>
+        </p:blipFill>
+        <p:spPr>
+          <a:xfrm>
+            <a:off x="1898383" y="1424053"/>
+            <a:ext cx="9190961" cy="5007227"/>
+          </a:xfrm>
+          <a:prstGeom prst="rect">
+            <a:avLst/>
+          </a:prstGeom>
+        </p:spPr>
+      </p:pic>
+    </p:spTree>
+    <p:extLst>
+      <p:ext uri="{BB962C8B-B14F-4D97-AF65-F5344CB8AC3E}">
+        <p14:creationId xmlns:p14="http://schemas.microsoft.com/office/powerpoint/2010/main" val="250654188"/>
       </p:ext>
     </p:extLst>
   </p:cSld>
